--- a/信用卡识别.pptx
+++ b/信用卡识别.pptx
@@ -5,13 +5,18 @@
     <p:sldMasterId id="2147483648" r:id="rId1"/>
   </p:sldMasterIdLst>
   <p:notesMasterIdLst>
-    <p:notesMasterId r:id="rId6"/>
+    <p:notesMasterId r:id="rId11"/>
   </p:notesMasterIdLst>
   <p:sldIdLst>
     <p:sldId id="256" r:id="rId2"/>
-    <p:sldId id="257" r:id="rId3"/>
-    <p:sldId id="258" r:id="rId4"/>
-    <p:sldId id="259" r:id="rId5"/>
+    <p:sldId id="260" r:id="rId3"/>
+    <p:sldId id="257" r:id="rId4"/>
+    <p:sldId id="258" r:id="rId5"/>
+    <p:sldId id="259" r:id="rId6"/>
+    <p:sldId id="261" r:id="rId7"/>
+    <p:sldId id="262" r:id="rId8"/>
+    <p:sldId id="263" r:id="rId9"/>
+    <p:sldId id="264" r:id="rId10"/>
   </p:sldIdLst>
   <p:sldSz cx="12192000" cy="6858000"/>
   <p:notesSz cx="6858000" cy="9144000"/>
@@ -110,6 +115,11 @@
       </a:defRPr>
     </a:lvl9pPr>
   </p:defaultTextStyle>
+  <p:extLst>
+    <p:ext uri="{EFAFB233-063F-42B5-8137-9DF3F51BA10A}">
+      <p15:sldGuideLst xmlns:p15="http://schemas.microsoft.com/office/powerpoint/2012/main"/>
+    </p:ext>
+  </p:extLst>
 </p:presentation>
 </file>
 
@@ -195,7 +205,7 @@
           <a:p>
             <a:fld id="{E1F663D7-0533-43FD-8269-E5F728C4B9E4}" type="datetimeFigureOut">
               <a:rPr lang="zh-CN" altLang="en-US" smtClean="0"/>
-              <a:t>2022/5/16</a:t>
+              <a:t>2022/5/19</a:t>
             </a:fld>
             <a:endParaRPr lang="zh-CN" altLang="en-US"/>
           </a:p>
@@ -527,7 +537,7 @@
           <a:p>
             <a:fld id="{06AFC1E5-0EA4-4248-9D6B-2DDEBD18D1E1}" type="slidenum">
               <a:rPr lang="zh-CN" altLang="en-US" smtClean="0"/>
-              <a:t>4</a:t>
+              <a:t>5</a:t>
             </a:fld>
             <a:endParaRPr lang="zh-CN" altLang="en-US"/>
           </a:p>
@@ -693,7 +703,7 @@
           <a:p>
             <a:fld id="{2AAE270C-E9D4-496C-92DF-99A8B18C3DB8}" type="datetimeFigureOut">
               <a:rPr lang="zh-CN" altLang="en-US" smtClean="0"/>
-              <a:t>2022/5/16</a:t>
+              <a:t>2022/5/19</a:t>
             </a:fld>
             <a:endParaRPr lang="zh-CN" altLang="en-US"/>
           </a:p>
@@ -891,7 +901,7 @@
           <a:p>
             <a:fld id="{2AAE270C-E9D4-496C-92DF-99A8B18C3DB8}" type="datetimeFigureOut">
               <a:rPr lang="zh-CN" altLang="en-US" smtClean="0"/>
-              <a:t>2022/5/16</a:t>
+              <a:t>2022/5/19</a:t>
             </a:fld>
             <a:endParaRPr lang="zh-CN" altLang="en-US"/>
           </a:p>
@@ -1099,7 +1109,7 @@
           <a:p>
             <a:fld id="{2AAE270C-E9D4-496C-92DF-99A8B18C3DB8}" type="datetimeFigureOut">
               <a:rPr lang="zh-CN" altLang="en-US" smtClean="0"/>
-              <a:t>2022/5/16</a:t>
+              <a:t>2022/5/19</a:t>
             </a:fld>
             <a:endParaRPr lang="zh-CN" altLang="en-US"/>
           </a:p>
@@ -1297,7 +1307,7 @@
           <a:p>
             <a:fld id="{2AAE270C-E9D4-496C-92DF-99A8B18C3DB8}" type="datetimeFigureOut">
               <a:rPr lang="zh-CN" altLang="en-US" smtClean="0"/>
-              <a:t>2022/5/16</a:t>
+              <a:t>2022/5/19</a:t>
             </a:fld>
             <a:endParaRPr lang="zh-CN" altLang="en-US"/>
           </a:p>
@@ -1572,7 +1582,7 @@
           <a:p>
             <a:fld id="{2AAE270C-E9D4-496C-92DF-99A8B18C3DB8}" type="datetimeFigureOut">
               <a:rPr lang="zh-CN" altLang="en-US" smtClean="0"/>
-              <a:t>2022/5/16</a:t>
+              <a:t>2022/5/19</a:t>
             </a:fld>
             <a:endParaRPr lang="zh-CN" altLang="en-US"/>
           </a:p>
@@ -1837,7 +1847,7 @@
           <a:p>
             <a:fld id="{2AAE270C-E9D4-496C-92DF-99A8B18C3DB8}" type="datetimeFigureOut">
               <a:rPr lang="zh-CN" altLang="en-US" smtClean="0"/>
-              <a:t>2022/5/16</a:t>
+              <a:t>2022/5/19</a:t>
             </a:fld>
             <a:endParaRPr lang="zh-CN" altLang="en-US"/>
           </a:p>
@@ -2249,7 +2259,7 @@
           <a:p>
             <a:fld id="{2AAE270C-E9D4-496C-92DF-99A8B18C3DB8}" type="datetimeFigureOut">
               <a:rPr lang="zh-CN" altLang="en-US" smtClean="0"/>
-              <a:t>2022/5/16</a:t>
+              <a:t>2022/5/19</a:t>
             </a:fld>
             <a:endParaRPr lang="zh-CN" altLang="en-US"/>
           </a:p>
@@ -2390,7 +2400,7 @@
           <a:p>
             <a:fld id="{2AAE270C-E9D4-496C-92DF-99A8B18C3DB8}" type="datetimeFigureOut">
               <a:rPr lang="zh-CN" altLang="en-US" smtClean="0"/>
-              <a:t>2022/5/16</a:t>
+              <a:t>2022/5/19</a:t>
             </a:fld>
             <a:endParaRPr lang="zh-CN" altLang="en-US"/>
           </a:p>
@@ -2503,7 +2513,7 @@
           <a:p>
             <a:fld id="{2AAE270C-E9D4-496C-92DF-99A8B18C3DB8}" type="datetimeFigureOut">
               <a:rPr lang="zh-CN" altLang="en-US" smtClean="0"/>
-              <a:t>2022/5/16</a:t>
+              <a:t>2022/5/19</a:t>
             </a:fld>
             <a:endParaRPr lang="zh-CN" altLang="en-US"/>
           </a:p>
@@ -2814,7 +2824,7 @@
           <a:p>
             <a:fld id="{2AAE270C-E9D4-496C-92DF-99A8B18C3DB8}" type="datetimeFigureOut">
               <a:rPr lang="zh-CN" altLang="en-US" smtClean="0"/>
-              <a:t>2022/5/16</a:t>
+              <a:t>2022/5/19</a:t>
             </a:fld>
             <a:endParaRPr lang="zh-CN" altLang="en-US"/>
           </a:p>
@@ -3102,7 +3112,7 @@
           <a:p>
             <a:fld id="{2AAE270C-E9D4-496C-92DF-99A8B18C3DB8}" type="datetimeFigureOut">
               <a:rPr lang="zh-CN" altLang="en-US" smtClean="0"/>
-              <a:t>2022/5/16</a:t>
+              <a:t>2022/5/19</a:t>
             </a:fld>
             <a:endParaRPr lang="zh-CN" altLang="en-US"/>
           </a:p>
@@ -3343,7 +3353,7 @@
           <a:p>
             <a:fld id="{2AAE270C-E9D4-496C-92DF-99A8B18C3DB8}" type="datetimeFigureOut">
               <a:rPr lang="zh-CN" altLang="en-US" smtClean="0"/>
-              <a:t>2022/5/16</a:t>
+              <a:t>2022/5/19</a:t>
             </a:fld>
             <a:endParaRPr lang="zh-CN" altLang="en-US"/>
           </a:p>
@@ -3851,7 +3861,7 @@
           <p:cNvPr id="2" name="标题 1">
             <a:extLst>
               <a:ext uri="{FF2B5EF4-FFF2-40B4-BE49-F238E27FC236}">
-                <a16:creationId xmlns:a16="http://schemas.microsoft.com/office/drawing/2014/main" id="{CAB2E75E-C96D-5072-3278-92212AEA099F}"/>
+                <a16:creationId xmlns:a16="http://schemas.microsoft.com/office/drawing/2014/main" id="{D00204BE-A107-0F79-7FEF-320A1F336225}"/>
               </a:ext>
             </a:extLst>
           </p:cNvPr>
@@ -3869,9 +3879,8 @@
           <a:p>
             <a:r>
               <a:rPr lang="zh-CN" altLang="en-US" dirty="0"/>
-              <a:t>灰度化</a:t>
-            </a:r>
-            <a:endParaRPr lang="en-US" altLang="zh-CN" dirty="0"/>
+              <a:t>总体思路</a:t>
+            </a:r>
           </a:p>
         </p:txBody>
       </p:sp>
@@ -3880,7 +3889,7 @@
           <p:cNvPr id="3" name="内容占位符 2">
             <a:extLst>
               <a:ext uri="{FF2B5EF4-FFF2-40B4-BE49-F238E27FC236}">
-                <a16:creationId xmlns:a16="http://schemas.microsoft.com/office/drawing/2014/main" id="{7E8B53C7-5543-F7D2-3AE7-ECA52058462D}"/>
+                <a16:creationId xmlns:a16="http://schemas.microsoft.com/office/drawing/2014/main" id="{95421F20-B691-CE2C-9C84-3882DD71DC87}"/>
               </a:ext>
             </a:extLst>
           </p:cNvPr>
@@ -3891,10 +3900,108 @@
             <p:ph idx="1"/>
           </p:nvPr>
         </p:nvSpPr>
+        <p:spPr/>
+        <p:txBody>
+          <a:bodyPr/>
+          <a:lstStyle/>
+          <a:p>
+            <a:pPr marL="0" indent="0">
+              <a:buNone/>
+            </a:pPr>
+            <a:r>
+              <a:rPr lang="zh-CN" altLang="en-US" dirty="0"/>
+              <a:t>图像处理</a:t>
+            </a:r>
+            <a:r>
+              <a:rPr lang="en-US" altLang="zh-CN" dirty="0"/>
+              <a:t>+</a:t>
+            </a:r>
+            <a:r>
+              <a:rPr lang="zh-CN" altLang="en-US" dirty="0"/>
+              <a:t>数字识别</a:t>
+            </a:r>
+          </a:p>
+        </p:txBody>
+      </p:sp>
+    </p:spTree>
+    <p:extLst>
+      <p:ext uri="{BB962C8B-B14F-4D97-AF65-F5344CB8AC3E}">
+        <p14:creationId xmlns:p14="http://schemas.microsoft.com/office/powerpoint/2010/main" val="3670133733"/>
+      </p:ext>
+    </p:extLst>
+  </p:cSld>
+  <p:clrMapOvr>
+    <a:masterClrMapping/>
+  </p:clrMapOvr>
+</p:sld>
+</file>
+
+<file path=ppt/slides/slide3.xml><?xml version="1.0" encoding="utf-8"?>
+<p:sld xmlns:a="http://schemas.openxmlformats.org/drawingml/2006/main" xmlns:r="http://schemas.openxmlformats.org/officeDocument/2006/relationships" xmlns:p="http://schemas.openxmlformats.org/presentationml/2006/main">
+  <p:cSld>
+    <p:spTree>
+      <p:nvGrpSpPr>
+        <p:cNvPr id="1" name=""/>
+        <p:cNvGrpSpPr/>
+        <p:nvPr/>
+      </p:nvGrpSpPr>
+      <p:grpSpPr>
+        <a:xfrm>
+          <a:off x="0" y="0"/>
+          <a:ext cx="0" cy="0"/>
+          <a:chOff x="0" y="0"/>
+          <a:chExt cx="0" cy="0"/>
+        </a:xfrm>
+      </p:grpSpPr>
+      <p:sp>
+        <p:nvSpPr>
+          <p:cNvPr id="2" name="标题 1">
+            <a:extLst>
+              <a:ext uri="{FF2B5EF4-FFF2-40B4-BE49-F238E27FC236}">
+                <a16:creationId xmlns:a16="http://schemas.microsoft.com/office/drawing/2014/main" id="{CAB2E75E-C96D-5072-3278-92212AEA099F}"/>
+              </a:ext>
+            </a:extLst>
+          </p:cNvPr>
+          <p:cNvSpPr>
+            <a:spLocks noGrp="1"/>
+          </p:cNvSpPr>
+          <p:nvPr>
+            <p:ph type="title"/>
+          </p:nvPr>
+        </p:nvSpPr>
+        <p:spPr/>
+        <p:txBody>
+          <a:bodyPr/>
+          <a:lstStyle/>
+          <a:p>
+            <a:r>
+              <a:rPr lang="zh-CN" altLang="en-US" dirty="0"/>
+              <a:t>灰度化</a:t>
+            </a:r>
+            <a:endParaRPr lang="en-US" altLang="zh-CN" dirty="0"/>
+          </a:p>
+        </p:txBody>
+      </p:sp>
+      <p:sp>
+        <p:nvSpPr>
+          <p:cNvPr id="3" name="内容占位符 2">
+            <a:extLst>
+              <a:ext uri="{FF2B5EF4-FFF2-40B4-BE49-F238E27FC236}">
+                <a16:creationId xmlns:a16="http://schemas.microsoft.com/office/drawing/2014/main" id="{7E8B53C7-5543-F7D2-3AE7-ECA52058462D}"/>
+              </a:ext>
+            </a:extLst>
+          </p:cNvPr>
+          <p:cNvSpPr>
+            <a:spLocks noGrp="1"/>
+          </p:cNvSpPr>
+          <p:nvPr>
+            <p:ph idx="1"/>
+          </p:nvPr>
+        </p:nvSpPr>
         <p:spPr>
           <a:xfrm>
-            <a:off x="838200" y="1825625"/>
-            <a:ext cx="5966379" cy="1537369"/>
+            <a:off x="817419" y="1825626"/>
+            <a:ext cx="5840833" cy="1201660"/>
           </a:xfrm>
         </p:spPr>
         <p:txBody>
@@ -4444,7 +4551,7 @@
 </p:sld>
 </file>
 
-<file path=ppt/slides/slide3.xml><?xml version="1.0" encoding="utf-8"?>
+<file path=ppt/slides/slide4.xml><?xml version="1.0" encoding="utf-8"?>
 <p:sld xmlns:a="http://schemas.openxmlformats.org/drawingml/2006/main" xmlns:r="http://schemas.openxmlformats.org/officeDocument/2006/relationships" xmlns:p="http://schemas.openxmlformats.org/presentationml/2006/main">
   <p:cSld>
     <p:spTree>
@@ -4683,6 +4790,12 @@
               </a:rPr>
               <a:t>算子是在两个方向计</a:t>
             </a:r>
+            <a:endParaRPr lang="en-US" altLang="zh-CN" b="0" dirty="0">
+              <a:effectLst/>
+              <a:latin typeface="Hack" panose="020B0609030202020204" pitchFamily="49" charset="0"/>
+            </a:endParaRPr>
+          </a:p>
+          <a:p>
             <a:r>
               <a:rPr lang="en-US" altLang="zh-CN" b="0" dirty="0">
                 <a:solidFill>
@@ -5270,10 +5383,27 @@
             </a:r>
             <a:r>
               <a:rPr lang="zh-CN" altLang="en-US" b="0" dirty="0">
-                <a:effectLst/>
-                <a:latin typeface="Hack" panose="020B0609030202020204" pitchFamily="49" charset="0"/>
-              </a:rPr>
-              <a:t>算的，最后还需要用</a:t>
+                <a:solidFill>
+                  <a:srgbClr val="6A9955"/>
+                </a:solidFill>
+                <a:effectLst/>
+                <a:latin typeface="Hack" panose="020B0609030202020204" pitchFamily="49" charset="0"/>
+              </a:rPr>
+              <a:t> </a:t>
+            </a:r>
+            <a:r>
+              <a:rPr lang="en-US" altLang="zh-CN" b="0" dirty="0">
+                <a:effectLst/>
+                <a:latin typeface="Hack" panose="020B0609030202020204" pitchFamily="49" charset="0"/>
+              </a:rPr>
+              <a:t>Sobel</a:t>
+            </a:r>
+            <a:r>
+              <a:rPr lang="zh-CN" altLang="en-US" b="0" dirty="0">
+                <a:effectLst/>
+                <a:latin typeface="Hack" panose="020B0609030202020204" pitchFamily="49" charset="0"/>
+              </a:rPr>
+              <a:t>算子是在两个方向计算的，最后还需要用</a:t>
             </a:r>
             <a:endParaRPr lang="en-US" altLang="zh-CN" b="0" dirty="0">
               <a:effectLst/>
@@ -5728,7 +5858,7 @@
 </p:sld>
 </file>
 
-<file path=ppt/slides/slide4.xml><?xml version="1.0" encoding="utf-8"?>
+<file path=ppt/slides/slide5.xml><?xml version="1.0" encoding="utf-8"?>
 <p:sld xmlns:a="http://schemas.openxmlformats.org/drawingml/2006/main" xmlns:r="http://schemas.openxmlformats.org/officeDocument/2006/relationships" xmlns:p="http://schemas.openxmlformats.org/presentationml/2006/main">
   <p:cSld>
     <p:spTree>
@@ -5797,7 +5927,7 @@
         </p:spPr>
         <p:txBody>
           <a:bodyPr>
-            <a:normAutofit/>
+            <a:normAutofit fontScale="92500" lnSpcReduction="20000"/>
           </a:bodyPr>
           <a:lstStyle/>
           <a:p>
@@ -6006,6 +6136,1248 @@
               <a:effectLst/>
               <a:latin typeface="arial" panose="020B0604020202020204" pitchFamily="34" charset="0"/>
             </a:endParaRPr>
+          </a:p>
+          <a:p>
+            <a:pPr marL="0" indent="0">
+              <a:buNone/>
+            </a:pPr>
+            <a:r>
+              <a:rPr lang="en-US" altLang="zh-CN" sz="1400" b="0" dirty="0">
+                <a:solidFill>
+                  <a:srgbClr val="9CDCFE"/>
+                </a:solidFill>
+                <a:effectLst/>
+                <a:latin typeface="Hack" panose="020B0609030202020204" pitchFamily="49" charset="0"/>
+              </a:rPr>
+              <a:t>temp</a:t>
+            </a:r>
+            <a:r>
+              <a:rPr lang="en-US" altLang="zh-CN" sz="1400" b="0" dirty="0">
+                <a:solidFill>
+                  <a:srgbClr val="D4D4D4"/>
+                </a:solidFill>
+                <a:effectLst/>
+                <a:latin typeface="Hack" panose="020B0609030202020204" pitchFamily="49" charset="0"/>
+              </a:rPr>
+              <a:t> = </a:t>
+            </a:r>
+            <a:r>
+              <a:rPr lang="en-US" altLang="zh-CN" sz="1400" b="0" dirty="0">
+                <a:solidFill>
+                  <a:srgbClr val="B5CEA8"/>
+                </a:solidFill>
+                <a:effectLst/>
+                <a:latin typeface="Hack" panose="020B0609030202020204" pitchFamily="49" charset="0"/>
+              </a:rPr>
+              <a:t>0</a:t>
+            </a:r>
+            <a:endParaRPr lang="en-US" altLang="zh-CN" sz="1400" b="0" dirty="0">
+              <a:solidFill>
+                <a:srgbClr val="D4D4D4"/>
+              </a:solidFill>
+              <a:effectLst/>
+              <a:latin typeface="Hack" panose="020B0609030202020204" pitchFamily="49" charset="0"/>
+            </a:endParaRPr>
+          </a:p>
+          <a:p>
+            <a:pPr marL="0" indent="0">
+              <a:buNone/>
+            </a:pPr>
+            <a:r>
+              <a:rPr lang="en-US" altLang="zh-CN" sz="1400" b="0" dirty="0">
+                <a:solidFill>
+                  <a:srgbClr val="4FC1FF"/>
+                </a:solidFill>
+                <a:effectLst/>
+                <a:latin typeface="Hack" panose="020B0609030202020204" pitchFamily="49" charset="0"/>
+              </a:rPr>
+              <a:t>W</a:t>
+            </a:r>
+            <a:r>
+              <a:rPr lang="en-US" altLang="zh-CN" sz="1400" b="0" dirty="0">
+                <a:solidFill>
+                  <a:srgbClr val="D4D4D4"/>
+                </a:solidFill>
+                <a:effectLst/>
+                <a:latin typeface="Hack" panose="020B0609030202020204" pitchFamily="49" charset="0"/>
+              </a:rPr>
+              <a:t> = </a:t>
+            </a:r>
+            <a:r>
+              <a:rPr lang="en-US" altLang="zh-CN" sz="1400" b="0" dirty="0">
+                <a:solidFill>
+                  <a:srgbClr val="B5CEA8"/>
+                </a:solidFill>
+                <a:effectLst/>
+                <a:latin typeface="Hack" panose="020B0609030202020204" pitchFamily="49" charset="0"/>
+              </a:rPr>
+              <a:t>0</a:t>
+            </a:r>
+            <a:endParaRPr lang="en-US" altLang="zh-CN" sz="1400" b="0" dirty="0">
+              <a:solidFill>
+                <a:srgbClr val="D4D4D4"/>
+              </a:solidFill>
+              <a:effectLst/>
+              <a:latin typeface="Hack" panose="020B0609030202020204" pitchFamily="49" charset="0"/>
+            </a:endParaRPr>
+          </a:p>
+          <a:p>
+            <a:pPr marL="0" indent="0">
+              <a:buNone/>
+            </a:pPr>
+            <a:r>
+              <a:rPr lang="en-US" altLang="zh-CN" sz="1400" b="0" dirty="0">
+                <a:solidFill>
+                  <a:srgbClr val="4FC1FF"/>
+                </a:solidFill>
+                <a:effectLst/>
+                <a:latin typeface="Hack" panose="020B0609030202020204" pitchFamily="49" charset="0"/>
+              </a:rPr>
+              <a:t>H</a:t>
+            </a:r>
+            <a:r>
+              <a:rPr lang="en-US" altLang="zh-CN" sz="1400" b="0" dirty="0">
+                <a:solidFill>
+                  <a:srgbClr val="D4D4D4"/>
+                </a:solidFill>
+                <a:effectLst/>
+                <a:latin typeface="Hack" panose="020B0609030202020204" pitchFamily="49" charset="0"/>
+              </a:rPr>
+              <a:t> = </a:t>
+            </a:r>
+            <a:r>
+              <a:rPr lang="en-US" altLang="zh-CN" sz="1400" b="0" dirty="0">
+                <a:solidFill>
+                  <a:srgbClr val="B5CEA8"/>
+                </a:solidFill>
+                <a:effectLst/>
+                <a:latin typeface="Hack" panose="020B0609030202020204" pitchFamily="49" charset="0"/>
+              </a:rPr>
+              <a:t>0</a:t>
+            </a:r>
+            <a:endParaRPr lang="en-US" altLang="zh-CN" sz="1400" b="0" dirty="0">
+              <a:solidFill>
+                <a:srgbClr val="D4D4D4"/>
+              </a:solidFill>
+              <a:effectLst/>
+              <a:latin typeface="Hack" panose="020B0609030202020204" pitchFamily="49" charset="0"/>
+            </a:endParaRPr>
+          </a:p>
+          <a:p>
+            <a:pPr marL="0" indent="0">
+              <a:buNone/>
+            </a:pPr>
+            <a:r>
+              <a:rPr lang="en-US" altLang="zh-CN" sz="1400" b="0" dirty="0">
+                <a:solidFill>
+                  <a:srgbClr val="4FC1FF"/>
+                </a:solidFill>
+                <a:effectLst/>
+                <a:latin typeface="Hack" panose="020B0609030202020204" pitchFamily="49" charset="0"/>
+              </a:rPr>
+              <a:t>X</a:t>
+            </a:r>
+            <a:r>
+              <a:rPr lang="en-US" altLang="zh-CN" sz="1400" b="0" dirty="0">
+                <a:solidFill>
+                  <a:srgbClr val="D4D4D4"/>
+                </a:solidFill>
+                <a:effectLst/>
+                <a:latin typeface="Hack" panose="020B0609030202020204" pitchFamily="49" charset="0"/>
+              </a:rPr>
+              <a:t> = </a:t>
+            </a:r>
+            <a:r>
+              <a:rPr lang="en-US" altLang="zh-CN" sz="1400" b="0" dirty="0">
+                <a:solidFill>
+                  <a:srgbClr val="B5CEA8"/>
+                </a:solidFill>
+                <a:effectLst/>
+                <a:latin typeface="Hack" panose="020B0609030202020204" pitchFamily="49" charset="0"/>
+              </a:rPr>
+              <a:t>0</a:t>
+            </a:r>
+            <a:endParaRPr lang="en-US" altLang="zh-CN" sz="1400" b="0" dirty="0">
+              <a:solidFill>
+                <a:srgbClr val="D4D4D4"/>
+              </a:solidFill>
+              <a:effectLst/>
+              <a:latin typeface="Hack" panose="020B0609030202020204" pitchFamily="49" charset="0"/>
+            </a:endParaRPr>
+          </a:p>
+          <a:p>
+            <a:pPr marL="0" indent="0">
+              <a:buNone/>
+            </a:pPr>
+            <a:r>
+              <a:rPr lang="en-US" altLang="zh-CN" sz="1400" b="0" dirty="0">
+                <a:solidFill>
+                  <a:srgbClr val="4FC1FF"/>
+                </a:solidFill>
+                <a:effectLst/>
+                <a:latin typeface="Hack" panose="020B0609030202020204" pitchFamily="49" charset="0"/>
+              </a:rPr>
+              <a:t>Y</a:t>
+            </a:r>
+            <a:r>
+              <a:rPr lang="en-US" altLang="zh-CN" sz="1400" b="0" dirty="0">
+                <a:solidFill>
+                  <a:srgbClr val="D4D4D4"/>
+                </a:solidFill>
+                <a:effectLst/>
+                <a:latin typeface="Hack" panose="020B0609030202020204" pitchFamily="49" charset="0"/>
+              </a:rPr>
+              <a:t> = </a:t>
+            </a:r>
+            <a:r>
+              <a:rPr lang="en-US" altLang="zh-CN" sz="1400" b="0" dirty="0">
+                <a:solidFill>
+                  <a:srgbClr val="B5CEA8"/>
+                </a:solidFill>
+                <a:effectLst/>
+                <a:latin typeface="Hack" panose="020B0609030202020204" pitchFamily="49" charset="0"/>
+              </a:rPr>
+              <a:t>0</a:t>
+            </a:r>
+            <a:endParaRPr lang="en-US" altLang="zh-CN" sz="1400" b="0" dirty="0">
+              <a:solidFill>
+                <a:srgbClr val="D4D4D4"/>
+              </a:solidFill>
+              <a:effectLst/>
+              <a:latin typeface="Hack" panose="020B0609030202020204" pitchFamily="49" charset="0"/>
+            </a:endParaRPr>
+          </a:p>
+          <a:p>
+            <a:pPr marL="0" indent="0">
+              <a:buNone/>
+            </a:pPr>
+            <a:r>
+              <a:rPr lang="en-US" altLang="zh-CN" sz="1400" b="0" dirty="0">
+                <a:solidFill>
+                  <a:srgbClr val="C586C0"/>
+                </a:solidFill>
+                <a:effectLst/>
+                <a:latin typeface="Hack" panose="020B0609030202020204" pitchFamily="49" charset="0"/>
+              </a:rPr>
+              <a:t>for</a:t>
+            </a:r>
+            <a:r>
+              <a:rPr lang="en-US" altLang="zh-CN" sz="1400" b="0" dirty="0">
+                <a:solidFill>
+                  <a:srgbClr val="D4D4D4"/>
+                </a:solidFill>
+                <a:effectLst/>
+                <a:latin typeface="Hack" panose="020B0609030202020204" pitchFamily="49" charset="0"/>
+              </a:rPr>
+              <a:t> </a:t>
+            </a:r>
+            <a:r>
+              <a:rPr lang="en-US" altLang="zh-CN" sz="1400" b="0" dirty="0" err="1">
+                <a:solidFill>
+                  <a:srgbClr val="9CDCFE"/>
+                </a:solidFill>
+                <a:effectLst/>
+                <a:latin typeface="Hack" panose="020B0609030202020204" pitchFamily="49" charset="0"/>
+              </a:rPr>
+              <a:t>i</a:t>
+            </a:r>
+            <a:r>
+              <a:rPr lang="en-US" altLang="zh-CN" sz="1400" b="0" dirty="0">
+                <a:solidFill>
+                  <a:srgbClr val="D4D4D4"/>
+                </a:solidFill>
+                <a:effectLst/>
+                <a:latin typeface="Hack" panose="020B0609030202020204" pitchFamily="49" charset="0"/>
+              </a:rPr>
+              <a:t> </a:t>
+            </a:r>
+            <a:r>
+              <a:rPr lang="en-US" altLang="zh-CN" sz="1400" b="0" dirty="0">
+                <a:solidFill>
+                  <a:srgbClr val="569CD6"/>
+                </a:solidFill>
+                <a:effectLst/>
+                <a:latin typeface="Hack" panose="020B0609030202020204" pitchFamily="49" charset="0"/>
+              </a:rPr>
+              <a:t>in</a:t>
+            </a:r>
+            <a:r>
+              <a:rPr lang="en-US" altLang="zh-CN" sz="1400" b="0" dirty="0">
+                <a:solidFill>
+                  <a:srgbClr val="D4D4D4"/>
+                </a:solidFill>
+                <a:effectLst/>
+                <a:latin typeface="Hack" panose="020B0609030202020204" pitchFamily="49" charset="0"/>
+              </a:rPr>
+              <a:t> </a:t>
+            </a:r>
+            <a:r>
+              <a:rPr lang="en-US" altLang="zh-CN" sz="1400" b="0" dirty="0">
+                <a:solidFill>
+                  <a:srgbClr val="4EC9B0"/>
+                </a:solidFill>
+                <a:effectLst/>
+                <a:latin typeface="Hack" panose="020B0609030202020204" pitchFamily="49" charset="0"/>
+              </a:rPr>
+              <a:t>range</a:t>
+            </a:r>
+            <a:r>
+              <a:rPr lang="en-US" altLang="zh-CN" sz="1400" b="0" dirty="0">
+                <a:solidFill>
+                  <a:srgbClr val="D4D4D4"/>
+                </a:solidFill>
+                <a:effectLst/>
+                <a:latin typeface="Hack" panose="020B0609030202020204" pitchFamily="49" charset="0"/>
+              </a:rPr>
+              <a:t>(</a:t>
+            </a:r>
+            <a:r>
+              <a:rPr lang="en-US" altLang="zh-CN" sz="1400" b="0" dirty="0">
+                <a:solidFill>
+                  <a:srgbClr val="B5CEA8"/>
+                </a:solidFill>
+                <a:effectLst/>
+                <a:latin typeface="Hack" panose="020B0609030202020204" pitchFamily="49" charset="0"/>
+              </a:rPr>
+              <a:t>0</a:t>
+            </a:r>
+            <a:r>
+              <a:rPr lang="en-US" altLang="zh-CN" sz="1400" b="0" dirty="0">
+                <a:solidFill>
+                  <a:srgbClr val="D4D4D4"/>
+                </a:solidFill>
+                <a:effectLst/>
+                <a:latin typeface="Hack" panose="020B0609030202020204" pitchFamily="49" charset="0"/>
+              </a:rPr>
+              <a:t>,</a:t>
+            </a:r>
+            <a:r>
+              <a:rPr lang="en-US" altLang="zh-CN" sz="1400" b="0" dirty="0">
+                <a:solidFill>
+                  <a:srgbClr val="DCDCAA"/>
+                </a:solidFill>
+                <a:effectLst/>
+                <a:latin typeface="Hack" panose="020B0609030202020204" pitchFamily="49" charset="0"/>
+              </a:rPr>
+              <a:t>len</a:t>
+            </a:r>
+            <a:r>
+              <a:rPr lang="en-US" altLang="zh-CN" sz="1400" b="0" dirty="0">
+                <a:solidFill>
+                  <a:srgbClr val="D4D4D4"/>
+                </a:solidFill>
+                <a:effectLst/>
+                <a:latin typeface="Hack" panose="020B0609030202020204" pitchFamily="49" charset="0"/>
+              </a:rPr>
+              <a:t>(</a:t>
+            </a:r>
+            <a:r>
+              <a:rPr lang="en-US" altLang="zh-CN" sz="1400" b="0" dirty="0" err="1">
+                <a:solidFill>
+                  <a:srgbClr val="9CDCFE"/>
+                </a:solidFill>
+                <a:effectLst/>
+                <a:latin typeface="Hack" panose="020B0609030202020204" pitchFamily="49" charset="0"/>
+              </a:rPr>
+              <a:t>cnts</a:t>
+            </a:r>
+            <a:r>
+              <a:rPr lang="en-US" altLang="zh-CN" sz="1400" b="0" dirty="0">
+                <a:solidFill>
+                  <a:srgbClr val="D4D4D4"/>
+                </a:solidFill>
+                <a:effectLst/>
+                <a:latin typeface="Hack" panose="020B0609030202020204" pitchFamily="49" charset="0"/>
+              </a:rPr>
+              <a:t>)):</a:t>
+            </a:r>
+          </a:p>
+          <a:p>
+            <a:pPr marL="0" indent="0">
+              <a:buNone/>
+            </a:pPr>
+            <a:r>
+              <a:rPr lang="en-US" altLang="zh-CN" sz="1400" b="0" dirty="0">
+                <a:solidFill>
+                  <a:srgbClr val="D4D4D4"/>
+                </a:solidFill>
+                <a:effectLst/>
+                <a:latin typeface="Hack" panose="020B0609030202020204" pitchFamily="49" charset="0"/>
+              </a:rPr>
+              <a:t>   </a:t>
+            </a:r>
+            <a:r>
+              <a:rPr lang="en-US" altLang="zh-CN" sz="1400" b="0" dirty="0" err="1">
+                <a:solidFill>
+                  <a:srgbClr val="9CDCFE"/>
+                </a:solidFill>
+                <a:effectLst/>
+                <a:latin typeface="Hack" panose="020B0609030202020204" pitchFamily="49" charset="0"/>
+              </a:rPr>
+              <a:t>x</a:t>
+            </a:r>
+            <a:r>
+              <a:rPr lang="en-US" altLang="zh-CN" sz="1400" b="0" dirty="0" err="1">
+                <a:solidFill>
+                  <a:srgbClr val="D4D4D4"/>
+                </a:solidFill>
+                <a:effectLst/>
+                <a:latin typeface="Hack" panose="020B0609030202020204" pitchFamily="49" charset="0"/>
+              </a:rPr>
+              <a:t>,</a:t>
+            </a:r>
+            <a:r>
+              <a:rPr lang="en-US" altLang="zh-CN" sz="1400" b="0" dirty="0" err="1">
+                <a:solidFill>
+                  <a:srgbClr val="9CDCFE"/>
+                </a:solidFill>
+                <a:effectLst/>
+                <a:latin typeface="Hack" panose="020B0609030202020204" pitchFamily="49" charset="0"/>
+              </a:rPr>
+              <a:t>y</a:t>
+            </a:r>
+            <a:r>
+              <a:rPr lang="en-US" altLang="zh-CN" sz="1400" b="0" dirty="0" err="1">
+                <a:solidFill>
+                  <a:srgbClr val="D4D4D4"/>
+                </a:solidFill>
+                <a:effectLst/>
+                <a:latin typeface="Hack" panose="020B0609030202020204" pitchFamily="49" charset="0"/>
+              </a:rPr>
+              <a:t>,</a:t>
+            </a:r>
+            <a:r>
+              <a:rPr lang="en-US" altLang="zh-CN" sz="1400" b="0" dirty="0" err="1">
+                <a:solidFill>
+                  <a:srgbClr val="9CDCFE"/>
+                </a:solidFill>
+                <a:effectLst/>
+                <a:latin typeface="Hack" panose="020B0609030202020204" pitchFamily="49" charset="0"/>
+              </a:rPr>
+              <a:t>w</a:t>
+            </a:r>
+            <a:r>
+              <a:rPr lang="en-US" altLang="zh-CN" sz="1400" b="0" dirty="0" err="1">
+                <a:solidFill>
+                  <a:srgbClr val="D4D4D4"/>
+                </a:solidFill>
+                <a:effectLst/>
+                <a:latin typeface="Hack" panose="020B0609030202020204" pitchFamily="49" charset="0"/>
+              </a:rPr>
+              <a:t>,</a:t>
+            </a:r>
+            <a:r>
+              <a:rPr lang="en-US" altLang="zh-CN" sz="1400" b="0" dirty="0" err="1">
+                <a:solidFill>
+                  <a:srgbClr val="9CDCFE"/>
+                </a:solidFill>
+                <a:effectLst/>
+                <a:latin typeface="Hack" panose="020B0609030202020204" pitchFamily="49" charset="0"/>
+              </a:rPr>
+              <a:t>h</a:t>
+            </a:r>
+            <a:r>
+              <a:rPr lang="en-US" altLang="zh-CN" sz="1400" b="0" dirty="0">
+                <a:solidFill>
+                  <a:srgbClr val="D4D4D4"/>
+                </a:solidFill>
+                <a:effectLst/>
+                <a:latin typeface="Hack" panose="020B0609030202020204" pitchFamily="49" charset="0"/>
+              </a:rPr>
+              <a:t> = </a:t>
+            </a:r>
+            <a:r>
+              <a:rPr lang="en-US" altLang="zh-CN" sz="1400" b="0" dirty="0">
+                <a:solidFill>
+                  <a:srgbClr val="4EC9B0"/>
+                </a:solidFill>
+                <a:effectLst/>
+                <a:latin typeface="Hack" panose="020B0609030202020204" pitchFamily="49" charset="0"/>
+              </a:rPr>
+              <a:t>cv2</a:t>
+            </a:r>
+            <a:r>
+              <a:rPr lang="en-US" altLang="zh-CN" sz="1400" b="0" dirty="0">
+                <a:solidFill>
+                  <a:srgbClr val="D4D4D4"/>
+                </a:solidFill>
+                <a:effectLst/>
+                <a:latin typeface="Hack" panose="020B0609030202020204" pitchFamily="49" charset="0"/>
+              </a:rPr>
+              <a:t>.</a:t>
+            </a:r>
+            <a:r>
+              <a:rPr lang="en-US" altLang="zh-CN" sz="1400" b="0" dirty="0">
+                <a:solidFill>
+                  <a:srgbClr val="DCDCAA"/>
+                </a:solidFill>
+                <a:effectLst/>
+                <a:latin typeface="Hack" panose="020B0609030202020204" pitchFamily="49" charset="0"/>
+              </a:rPr>
+              <a:t>boundingRect</a:t>
+            </a:r>
+            <a:r>
+              <a:rPr lang="en-US" altLang="zh-CN" sz="1400" b="0" dirty="0">
+                <a:solidFill>
+                  <a:srgbClr val="D4D4D4"/>
+                </a:solidFill>
+                <a:effectLst/>
+                <a:latin typeface="Hack" panose="020B0609030202020204" pitchFamily="49" charset="0"/>
+              </a:rPr>
+              <a:t>(</a:t>
+            </a:r>
+            <a:r>
+              <a:rPr lang="en-US" altLang="zh-CN" sz="1400" b="0" dirty="0" err="1">
+                <a:solidFill>
+                  <a:srgbClr val="9CDCFE"/>
+                </a:solidFill>
+                <a:effectLst/>
+                <a:latin typeface="Hack" panose="020B0609030202020204" pitchFamily="49" charset="0"/>
+              </a:rPr>
+              <a:t>cnts</a:t>
+            </a:r>
+            <a:r>
+              <a:rPr lang="en-US" altLang="zh-CN" sz="1400" b="0" dirty="0">
+                <a:solidFill>
+                  <a:srgbClr val="D4D4D4"/>
+                </a:solidFill>
+                <a:effectLst/>
+                <a:latin typeface="Hack" panose="020B0609030202020204" pitchFamily="49" charset="0"/>
+              </a:rPr>
+              <a:t>[</a:t>
+            </a:r>
+            <a:r>
+              <a:rPr lang="en-US" altLang="zh-CN" sz="1400" b="0" dirty="0" err="1">
+                <a:solidFill>
+                  <a:srgbClr val="9CDCFE"/>
+                </a:solidFill>
+                <a:effectLst/>
+                <a:latin typeface="Hack" panose="020B0609030202020204" pitchFamily="49" charset="0"/>
+              </a:rPr>
+              <a:t>i</a:t>
+            </a:r>
+            <a:r>
+              <a:rPr lang="en-US" altLang="zh-CN" sz="1400" b="0" dirty="0">
+                <a:solidFill>
+                  <a:srgbClr val="D4D4D4"/>
+                </a:solidFill>
+                <a:effectLst/>
+                <a:latin typeface="Hack" panose="020B0609030202020204" pitchFamily="49" charset="0"/>
+              </a:rPr>
+              <a:t>])</a:t>
+            </a:r>
+          </a:p>
+          <a:p>
+            <a:pPr marL="0" indent="0">
+              <a:buNone/>
+            </a:pPr>
+            <a:r>
+              <a:rPr lang="en-US" altLang="zh-CN" sz="1400" b="0" dirty="0">
+                <a:solidFill>
+                  <a:srgbClr val="D4D4D4"/>
+                </a:solidFill>
+                <a:effectLst/>
+                <a:latin typeface="Hack" panose="020B0609030202020204" pitchFamily="49" charset="0"/>
+              </a:rPr>
+              <a:t>   </a:t>
+            </a:r>
+            <a:r>
+              <a:rPr lang="en-US" altLang="zh-CN" sz="1400" b="0" dirty="0">
+                <a:solidFill>
+                  <a:srgbClr val="C586C0"/>
+                </a:solidFill>
+                <a:effectLst/>
+                <a:latin typeface="Hack" panose="020B0609030202020204" pitchFamily="49" charset="0"/>
+              </a:rPr>
+              <a:t>if</a:t>
+            </a:r>
+            <a:r>
+              <a:rPr lang="en-US" altLang="zh-CN" sz="1400" b="0" dirty="0">
+                <a:solidFill>
+                  <a:srgbClr val="D4D4D4"/>
+                </a:solidFill>
+                <a:effectLst/>
+                <a:latin typeface="Hack" panose="020B0609030202020204" pitchFamily="49" charset="0"/>
+              </a:rPr>
+              <a:t>(</a:t>
+            </a:r>
+            <a:r>
+              <a:rPr lang="en-US" altLang="zh-CN" sz="1400" b="0" dirty="0">
+                <a:solidFill>
+                  <a:srgbClr val="9CDCFE"/>
+                </a:solidFill>
+                <a:effectLst/>
+                <a:latin typeface="Hack" panose="020B0609030202020204" pitchFamily="49" charset="0"/>
+              </a:rPr>
+              <a:t>temp</a:t>
+            </a:r>
+            <a:r>
+              <a:rPr lang="en-US" altLang="zh-CN" sz="1400" b="0" dirty="0">
+                <a:solidFill>
+                  <a:srgbClr val="D4D4D4"/>
+                </a:solidFill>
+                <a:effectLst/>
+                <a:latin typeface="Hack" panose="020B0609030202020204" pitchFamily="49" charset="0"/>
+              </a:rPr>
+              <a:t> &lt;</a:t>
+            </a:r>
+            <a:r>
+              <a:rPr lang="en-US" altLang="zh-CN" sz="1400" b="0" dirty="0">
+                <a:solidFill>
+                  <a:srgbClr val="9CDCFE"/>
+                </a:solidFill>
+                <a:effectLst/>
+                <a:latin typeface="Hack" panose="020B0609030202020204" pitchFamily="49" charset="0"/>
+              </a:rPr>
+              <a:t>w</a:t>
+            </a:r>
+            <a:r>
+              <a:rPr lang="en-US" altLang="zh-CN" sz="1400" b="0" dirty="0">
+                <a:solidFill>
+                  <a:srgbClr val="D4D4D4"/>
+                </a:solidFill>
+                <a:effectLst/>
+                <a:latin typeface="Hack" panose="020B0609030202020204" pitchFamily="49" charset="0"/>
+              </a:rPr>
+              <a:t> + </a:t>
+            </a:r>
+            <a:r>
+              <a:rPr lang="en-US" altLang="zh-CN" sz="1400" b="0" dirty="0">
+                <a:solidFill>
+                  <a:srgbClr val="9CDCFE"/>
+                </a:solidFill>
+                <a:effectLst/>
+                <a:latin typeface="Hack" panose="020B0609030202020204" pitchFamily="49" charset="0"/>
+              </a:rPr>
+              <a:t>h</a:t>
+            </a:r>
+            <a:r>
+              <a:rPr lang="en-US" altLang="zh-CN" sz="1400" b="0" dirty="0">
+                <a:solidFill>
+                  <a:srgbClr val="D4D4D4"/>
+                </a:solidFill>
+                <a:effectLst/>
+                <a:latin typeface="Hack" panose="020B0609030202020204" pitchFamily="49" charset="0"/>
+              </a:rPr>
+              <a:t>):    </a:t>
+            </a:r>
+          </a:p>
+          <a:p>
+            <a:pPr marL="0" indent="0">
+              <a:buNone/>
+            </a:pPr>
+            <a:r>
+              <a:rPr lang="en-US" altLang="zh-CN" sz="1400" b="0" dirty="0">
+                <a:solidFill>
+                  <a:srgbClr val="D4D4D4"/>
+                </a:solidFill>
+                <a:effectLst/>
+                <a:latin typeface="Hack" panose="020B0609030202020204" pitchFamily="49" charset="0"/>
+              </a:rPr>
+              <a:t>      </a:t>
+            </a:r>
+            <a:r>
+              <a:rPr lang="en-US" altLang="zh-CN" sz="1400" b="0" dirty="0">
+                <a:solidFill>
+                  <a:srgbClr val="9CDCFE"/>
+                </a:solidFill>
+                <a:effectLst/>
+                <a:latin typeface="Hack" panose="020B0609030202020204" pitchFamily="49" charset="0"/>
+              </a:rPr>
+              <a:t>temp</a:t>
+            </a:r>
+            <a:r>
+              <a:rPr lang="en-US" altLang="zh-CN" sz="1400" b="0" dirty="0">
+                <a:solidFill>
+                  <a:srgbClr val="D4D4D4"/>
+                </a:solidFill>
+                <a:effectLst/>
+                <a:latin typeface="Hack" panose="020B0609030202020204" pitchFamily="49" charset="0"/>
+              </a:rPr>
+              <a:t> = </a:t>
+            </a:r>
+            <a:r>
+              <a:rPr lang="en-US" altLang="zh-CN" sz="1400" b="0" dirty="0" err="1">
+                <a:solidFill>
+                  <a:srgbClr val="9CDCFE"/>
+                </a:solidFill>
+                <a:effectLst/>
+                <a:latin typeface="Hack" panose="020B0609030202020204" pitchFamily="49" charset="0"/>
+              </a:rPr>
+              <a:t>w</a:t>
+            </a:r>
+            <a:r>
+              <a:rPr lang="en-US" altLang="zh-CN" sz="1400" b="0" dirty="0" err="1">
+                <a:solidFill>
+                  <a:srgbClr val="D4D4D4"/>
+                </a:solidFill>
+                <a:effectLst/>
+                <a:latin typeface="Hack" panose="020B0609030202020204" pitchFamily="49" charset="0"/>
+              </a:rPr>
+              <a:t>+</a:t>
+            </a:r>
+            <a:r>
+              <a:rPr lang="en-US" altLang="zh-CN" sz="1400" b="0" dirty="0" err="1">
+                <a:solidFill>
+                  <a:srgbClr val="9CDCFE"/>
+                </a:solidFill>
+                <a:effectLst/>
+                <a:latin typeface="Hack" panose="020B0609030202020204" pitchFamily="49" charset="0"/>
+              </a:rPr>
+              <a:t>h</a:t>
+            </a:r>
+            <a:endParaRPr lang="en-US" altLang="zh-CN" sz="1400" b="0" dirty="0">
+              <a:solidFill>
+                <a:srgbClr val="D4D4D4"/>
+              </a:solidFill>
+              <a:effectLst/>
+              <a:latin typeface="Hack" panose="020B0609030202020204" pitchFamily="49" charset="0"/>
+            </a:endParaRPr>
+          </a:p>
+          <a:p>
+            <a:pPr marL="0" indent="0">
+              <a:buNone/>
+            </a:pPr>
+            <a:r>
+              <a:rPr lang="en-US" altLang="zh-CN" sz="1400" b="0" dirty="0">
+                <a:solidFill>
+                  <a:srgbClr val="D4D4D4"/>
+                </a:solidFill>
+                <a:effectLst/>
+                <a:latin typeface="Hack" panose="020B0609030202020204" pitchFamily="49" charset="0"/>
+              </a:rPr>
+              <a:t>       </a:t>
+            </a:r>
+            <a:r>
+              <a:rPr lang="en-US" altLang="zh-CN" sz="1400" b="0" dirty="0">
+                <a:solidFill>
+                  <a:srgbClr val="4FC1FF"/>
+                </a:solidFill>
+                <a:effectLst/>
+                <a:latin typeface="Hack" panose="020B0609030202020204" pitchFamily="49" charset="0"/>
+              </a:rPr>
+              <a:t>W</a:t>
+            </a:r>
+            <a:r>
+              <a:rPr lang="en-US" altLang="zh-CN" sz="1400" b="0" dirty="0">
+                <a:solidFill>
+                  <a:srgbClr val="D4D4D4"/>
+                </a:solidFill>
+                <a:effectLst/>
+                <a:latin typeface="Hack" panose="020B0609030202020204" pitchFamily="49" charset="0"/>
+              </a:rPr>
+              <a:t> = </a:t>
+            </a:r>
+            <a:r>
+              <a:rPr lang="en-US" altLang="zh-CN" sz="1400" b="0" dirty="0">
+                <a:solidFill>
+                  <a:srgbClr val="9CDCFE"/>
+                </a:solidFill>
+                <a:effectLst/>
+                <a:latin typeface="Hack" panose="020B0609030202020204" pitchFamily="49" charset="0"/>
+              </a:rPr>
+              <a:t>w</a:t>
+            </a:r>
+            <a:endParaRPr lang="en-US" altLang="zh-CN" sz="1400" b="0" dirty="0">
+              <a:solidFill>
+                <a:srgbClr val="D4D4D4"/>
+              </a:solidFill>
+              <a:effectLst/>
+              <a:latin typeface="Hack" panose="020B0609030202020204" pitchFamily="49" charset="0"/>
+            </a:endParaRPr>
+          </a:p>
+          <a:p>
+            <a:pPr marL="0" indent="0">
+              <a:buNone/>
+            </a:pPr>
+            <a:r>
+              <a:rPr lang="en-US" altLang="zh-CN" sz="1400" b="0" dirty="0">
+                <a:solidFill>
+                  <a:srgbClr val="D4D4D4"/>
+                </a:solidFill>
+                <a:effectLst/>
+                <a:latin typeface="Hack" panose="020B0609030202020204" pitchFamily="49" charset="0"/>
+              </a:rPr>
+              <a:t>       </a:t>
+            </a:r>
+            <a:r>
+              <a:rPr lang="en-US" altLang="zh-CN" sz="1400" b="0" dirty="0">
+                <a:solidFill>
+                  <a:srgbClr val="4FC1FF"/>
+                </a:solidFill>
+                <a:effectLst/>
+                <a:latin typeface="Hack" panose="020B0609030202020204" pitchFamily="49" charset="0"/>
+              </a:rPr>
+              <a:t>H</a:t>
+            </a:r>
+            <a:r>
+              <a:rPr lang="en-US" altLang="zh-CN" sz="1400" b="0" dirty="0">
+                <a:solidFill>
+                  <a:srgbClr val="D4D4D4"/>
+                </a:solidFill>
+                <a:effectLst/>
+                <a:latin typeface="Hack" panose="020B0609030202020204" pitchFamily="49" charset="0"/>
+              </a:rPr>
+              <a:t> = </a:t>
+            </a:r>
+            <a:r>
+              <a:rPr lang="en-US" altLang="zh-CN" sz="1400" b="0" dirty="0">
+                <a:solidFill>
+                  <a:srgbClr val="9CDCFE"/>
+                </a:solidFill>
+                <a:effectLst/>
+                <a:latin typeface="Hack" panose="020B0609030202020204" pitchFamily="49" charset="0"/>
+              </a:rPr>
+              <a:t>h</a:t>
+            </a:r>
+            <a:endParaRPr lang="en-US" altLang="zh-CN" sz="1400" b="0" dirty="0">
+              <a:solidFill>
+                <a:srgbClr val="D4D4D4"/>
+              </a:solidFill>
+              <a:effectLst/>
+              <a:latin typeface="Hack" panose="020B0609030202020204" pitchFamily="49" charset="0"/>
+            </a:endParaRPr>
+          </a:p>
+          <a:p>
+            <a:pPr marL="0" indent="0">
+              <a:buNone/>
+            </a:pPr>
+            <a:r>
+              <a:rPr lang="en-US" altLang="zh-CN" sz="1400" b="0" dirty="0">
+                <a:solidFill>
+                  <a:srgbClr val="D4D4D4"/>
+                </a:solidFill>
+                <a:effectLst/>
+                <a:latin typeface="Hack" panose="020B0609030202020204" pitchFamily="49" charset="0"/>
+              </a:rPr>
+              <a:t>       </a:t>
+            </a:r>
+            <a:r>
+              <a:rPr lang="en-US" altLang="zh-CN" sz="1400" b="0" dirty="0">
+                <a:solidFill>
+                  <a:srgbClr val="4FC1FF"/>
+                </a:solidFill>
+                <a:effectLst/>
+                <a:latin typeface="Hack" panose="020B0609030202020204" pitchFamily="49" charset="0"/>
+              </a:rPr>
+              <a:t>X</a:t>
+            </a:r>
+            <a:r>
+              <a:rPr lang="en-US" altLang="zh-CN" sz="1400" b="0" dirty="0">
+                <a:solidFill>
+                  <a:srgbClr val="D4D4D4"/>
+                </a:solidFill>
+                <a:effectLst/>
+                <a:latin typeface="Hack" panose="020B0609030202020204" pitchFamily="49" charset="0"/>
+              </a:rPr>
+              <a:t> = </a:t>
+            </a:r>
+            <a:r>
+              <a:rPr lang="en-US" altLang="zh-CN" sz="1400" b="0" dirty="0">
+                <a:solidFill>
+                  <a:srgbClr val="9CDCFE"/>
+                </a:solidFill>
+                <a:effectLst/>
+                <a:latin typeface="Hack" panose="020B0609030202020204" pitchFamily="49" charset="0"/>
+              </a:rPr>
+              <a:t>x</a:t>
+            </a:r>
+            <a:endParaRPr lang="en-US" altLang="zh-CN" sz="1400" b="0" dirty="0">
+              <a:solidFill>
+                <a:srgbClr val="D4D4D4"/>
+              </a:solidFill>
+              <a:effectLst/>
+              <a:latin typeface="Hack" panose="020B0609030202020204" pitchFamily="49" charset="0"/>
+            </a:endParaRPr>
+          </a:p>
+          <a:p>
+            <a:pPr marL="0" indent="0">
+              <a:buNone/>
+            </a:pPr>
+            <a:r>
+              <a:rPr lang="en-US" altLang="zh-CN" sz="1400" b="0" dirty="0">
+                <a:solidFill>
+                  <a:srgbClr val="D4D4D4"/>
+                </a:solidFill>
+                <a:effectLst/>
+                <a:latin typeface="Hack" panose="020B0609030202020204" pitchFamily="49" charset="0"/>
+              </a:rPr>
+              <a:t>       </a:t>
+            </a:r>
+            <a:r>
+              <a:rPr lang="en-US" altLang="zh-CN" sz="1400" b="0" dirty="0">
+                <a:solidFill>
+                  <a:srgbClr val="4FC1FF"/>
+                </a:solidFill>
+                <a:effectLst/>
+                <a:latin typeface="Hack" panose="020B0609030202020204" pitchFamily="49" charset="0"/>
+              </a:rPr>
+              <a:t>Y</a:t>
+            </a:r>
+            <a:r>
+              <a:rPr lang="en-US" altLang="zh-CN" sz="1400" b="0" dirty="0">
+                <a:solidFill>
+                  <a:srgbClr val="D4D4D4"/>
+                </a:solidFill>
+                <a:effectLst/>
+                <a:latin typeface="Hack" panose="020B0609030202020204" pitchFamily="49" charset="0"/>
+              </a:rPr>
+              <a:t> = </a:t>
+            </a:r>
+            <a:r>
+              <a:rPr lang="en-US" altLang="zh-CN" sz="1400" b="0" dirty="0">
+                <a:solidFill>
+                  <a:srgbClr val="9CDCFE"/>
+                </a:solidFill>
+                <a:effectLst/>
+                <a:latin typeface="Hack" panose="020B0609030202020204" pitchFamily="49" charset="0"/>
+              </a:rPr>
+              <a:t>y</a:t>
+            </a:r>
+            <a:r>
+              <a:rPr lang="en-US" altLang="zh-CN" sz="1400" b="0" dirty="0">
+                <a:solidFill>
+                  <a:srgbClr val="D4D4D4"/>
+                </a:solidFill>
+                <a:effectLst/>
+                <a:latin typeface="Hack" panose="020B0609030202020204" pitchFamily="49" charset="0"/>
+              </a:rPr>
+              <a:t>  </a:t>
+            </a:r>
+          </a:p>
+          <a:p>
+            <a:pPr marL="0" indent="0">
+              <a:buNone/>
+            </a:pPr>
+            <a:r>
+              <a:rPr lang="en-US" altLang="zh-CN" sz="1400" b="0" dirty="0" err="1">
+                <a:solidFill>
+                  <a:srgbClr val="9CDCFE"/>
+                </a:solidFill>
+                <a:effectLst/>
+                <a:latin typeface="Hack" panose="020B0609030202020204" pitchFamily="49" charset="0"/>
+              </a:rPr>
+              <a:t>remove_back_img</a:t>
+            </a:r>
+            <a:r>
+              <a:rPr lang="en-US" altLang="zh-CN" sz="1400" b="0" dirty="0">
+                <a:solidFill>
+                  <a:srgbClr val="D4D4D4"/>
+                </a:solidFill>
+                <a:effectLst/>
+                <a:latin typeface="Hack" panose="020B0609030202020204" pitchFamily="49" charset="0"/>
+              </a:rPr>
+              <a:t> = </a:t>
+            </a:r>
+            <a:r>
+              <a:rPr lang="en-US" altLang="zh-CN" sz="1400" b="0" dirty="0" err="1">
+                <a:solidFill>
+                  <a:srgbClr val="9CDCFE"/>
+                </a:solidFill>
+                <a:effectLst/>
+                <a:latin typeface="Hack" panose="020B0609030202020204" pitchFamily="49" charset="0"/>
+              </a:rPr>
+              <a:t>img</a:t>
+            </a:r>
+            <a:r>
+              <a:rPr lang="en-US" altLang="zh-CN" sz="1400" b="0" dirty="0">
+                <a:solidFill>
+                  <a:srgbClr val="D4D4D4"/>
+                </a:solidFill>
+                <a:effectLst/>
+                <a:latin typeface="Hack" panose="020B0609030202020204" pitchFamily="49" charset="0"/>
+              </a:rPr>
+              <a:t>[</a:t>
+            </a:r>
+            <a:r>
+              <a:rPr lang="en-US" altLang="zh-CN" sz="1400" b="0" dirty="0">
+                <a:solidFill>
+                  <a:srgbClr val="4FC1FF"/>
+                </a:solidFill>
+                <a:effectLst/>
+                <a:latin typeface="Hack" panose="020B0609030202020204" pitchFamily="49" charset="0"/>
+              </a:rPr>
+              <a:t>Y</a:t>
+            </a:r>
+            <a:r>
+              <a:rPr lang="en-US" altLang="zh-CN" sz="1400" b="0" dirty="0">
+                <a:solidFill>
+                  <a:srgbClr val="D4D4D4"/>
+                </a:solidFill>
+                <a:effectLst/>
+                <a:latin typeface="Hack" panose="020B0609030202020204" pitchFamily="49" charset="0"/>
+              </a:rPr>
+              <a:t>:</a:t>
+            </a:r>
+            <a:r>
+              <a:rPr lang="en-US" altLang="zh-CN" sz="1400" b="0" dirty="0">
+                <a:solidFill>
+                  <a:srgbClr val="4FC1FF"/>
+                </a:solidFill>
+                <a:effectLst/>
+                <a:latin typeface="Hack" panose="020B0609030202020204" pitchFamily="49" charset="0"/>
+              </a:rPr>
+              <a:t>Y</a:t>
+            </a:r>
+            <a:r>
+              <a:rPr lang="en-US" altLang="zh-CN" sz="1400" b="0" dirty="0">
+                <a:solidFill>
+                  <a:srgbClr val="D4D4D4"/>
+                </a:solidFill>
+                <a:effectLst/>
+                <a:latin typeface="Hack" panose="020B0609030202020204" pitchFamily="49" charset="0"/>
+              </a:rPr>
+              <a:t>+</a:t>
+            </a:r>
+            <a:r>
+              <a:rPr lang="en-US" altLang="zh-CN" sz="1400" b="0" dirty="0">
+                <a:solidFill>
+                  <a:srgbClr val="4FC1FF"/>
+                </a:solidFill>
+                <a:effectLst/>
+                <a:latin typeface="Hack" panose="020B0609030202020204" pitchFamily="49" charset="0"/>
+              </a:rPr>
+              <a:t>H</a:t>
+            </a:r>
+            <a:r>
+              <a:rPr lang="en-US" altLang="zh-CN" sz="1400" b="0" dirty="0">
+                <a:solidFill>
+                  <a:srgbClr val="D4D4D4"/>
+                </a:solidFill>
+                <a:effectLst/>
+                <a:latin typeface="Hack" panose="020B0609030202020204" pitchFamily="49" charset="0"/>
+              </a:rPr>
+              <a:t>,</a:t>
+            </a:r>
+            <a:r>
+              <a:rPr lang="en-US" altLang="zh-CN" sz="1400" b="0" dirty="0">
+                <a:solidFill>
+                  <a:srgbClr val="4FC1FF"/>
+                </a:solidFill>
+                <a:effectLst/>
+                <a:latin typeface="Hack" panose="020B0609030202020204" pitchFamily="49" charset="0"/>
+              </a:rPr>
+              <a:t>X</a:t>
+            </a:r>
+            <a:r>
+              <a:rPr lang="en-US" altLang="zh-CN" sz="1400" b="0" dirty="0">
+                <a:solidFill>
+                  <a:srgbClr val="D4D4D4"/>
+                </a:solidFill>
+                <a:effectLst/>
+                <a:latin typeface="Hack" panose="020B0609030202020204" pitchFamily="49" charset="0"/>
+              </a:rPr>
+              <a:t>:</a:t>
+            </a:r>
+            <a:r>
+              <a:rPr lang="en-US" altLang="zh-CN" sz="1400" b="0" dirty="0">
+                <a:solidFill>
+                  <a:srgbClr val="4FC1FF"/>
+                </a:solidFill>
+                <a:effectLst/>
+                <a:latin typeface="Hack" panose="020B0609030202020204" pitchFamily="49" charset="0"/>
+              </a:rPr>
+              <a:t>X</a:t>
+            </a:r>
+            <a:r>
+              <a:rPr lang="en-US" altLang="zh-CN" sz="1400" b="0" dirty="0">
+                <a:solidFill>
+                  <a:srgbClr val="D4D4D4"/>
+                </a:solidFill>
+                <a:effectLst/>
+                <a:latin typeface="Hack" panose="020B0609030202020204" pitchFamily="49" charset="0"/>
+              </a:rPr>
+              <a:t>+</a:t>
+            </a:r>
+            <a:r>
+              <a:rPr lang="en-US" altLang="zh-CN" sz="1400" b="0" dirty="0">
+                <a:solidFill>
+                  <a:srgbClr val="4FC1FF"/>
+                </a:solidFill>
+                <a:effectLst/>
+                <a:latin typeface="Hack" panose="020B0609030202020204" pitchFamily="49" charset="0"/>
+              </a:rPr>
+              <a:t>W</a:t>
+            </a:r>
+            <a:r>
+              <a:rPr lang="en-US" altLang="zh-CN" sz="1400" b="0" dirty="0">
+                <a:solidFill>
+                  <a:srgbClr val="D4D4D4"/>
+                </a:solidFill>
+                <a:effectLst/>
+                <a:latin typeface="Hack" panose="020B0609030202020204" pitchFamily="49" charset="0"/>
+              </a:rPr>
+              <a:t>]</a:t>
+            </a:r>
+            <a:br>
+              <a:rPr lang="en-US" altLang="zh-CN" sz="1400" b="0" dirty="0">
+                <a:solidFill>
+                  <a:srgbClr val="D4D4D4"/>
+                </a:solidFill>
+                <a:effectLst/>
+                <a:latin typeface="Hack" panose="020B0609030202020204" pitchFamily="49" charset="0"/>
+              </a:rPr>
+            </a:br>
+            <a:r>
+              <a:rPr lang="en-US" altLang="zh-CN" sz="1400" b="0" dirty="0" err="1">
+                <a:solidFill>
+                  <a:srgbClr val="9CDCFE"/>
+                </a:solidFill>
+                <a:effectLst/>
+                <a:latin typeface="Hack" panose="020B0609030202020204" pitchFamily="49" charset="0"/>
+              </a:rPr>
+              <a:t>img_r</a:t>
+            </a:r>
+            <a:r>
+              <a:rPr lang="en-US" altLang="zh-CN" sz="1400" b="0" dirty="0">
+                <a:solidFill>
+                  <a:srgbClr val="D4D4D4"/>
+                </a:solidFill>
+                <a:effectLst/>
+                <a:latin typeface="Hack" panose="020B0609030202020204" pitchFamily="49" charset="0"/>
+              </a:rPr>
+              <a:t> = </a:t>
+            </a:r>
+            <a:r>
+              <a:rPr lang="en-US" altLang="zh-CN" sz="1400" b="0" dirty="0">
+                <a:solidFill>
+                  <a:srgbClr val="4EC9B0"/>
+                </a:solidFill>
+                <a:effectLst/>
+                <a:latin typeface="Hack" panose="020B0609030202020204" pitchFamily="49" charset="0"/>
+              </a:rPr>
+              <a:t>cv2</a:t>
+            </a:r>
+            <a:r>
+              <a:rPr lang="en-US" altLang="zh-CN" sz="1400" b="0" dirty="0">
+                <a:solidFill>
+                  <a:srgbClr val="D4D4D4"/>
+                </a:solidFill>
+                <a:effectLst/>
+                <a:latin typeface="Hack" panose="020B0609030202020204" pitchFamily="49" charset="0"/>
+              </a:rPr>
+              <a:t>.</a:t>
+            </a:r>
+            <a:r>
+              <a:rPr lang="en-US" altLang="zh-CN" sz="1400" b="0" dirty="0">
+                <a:solidFill>
+                  <a:srgbClr val="DCDCAA"/>
+                </a:solidFill>
+                <a:effectLst/>
+                <a:latin typeface="Hack" panose="020B0609030202020204" pitchFamily="49" charset="0"/>
+              </a:rPr>
+              <a:t>resize</a:t>
+            </a:r>
+            <a:r>
+              <a:rPr lang="en-US" altLang="zh-CN" sz="1400" b="0" dirty="0">
+                <a:solidFill>
+                  <a:srgbClr val="D4D4D4"/>
+                </a:solidFill>
+                <a:effectLst/>
+                <a:latin typeface="Hack" panose="020B0609030202020204" pitchFamily="49" charset="0"/>
+              </a:rPr>
+              <a:t>(</a:t>
+            </a:r>
+            <a:r>
+              <a:rPr lang="en-US" altLang="zh-CN" sz="1400" b="0" dirty="0" err="1">
+                <a:solidFill>
+                  <a:srgbClr val="9CDCFE"/>
+                </a:solidFill>
+                <a:effectLst/>
+                <a:latin typeface="Hack" panose="020B0609030202020204" pitchFamily="49" charset="0"/>
+              </a:rPr>
+              <a:t>remove_back_img</a:t>
+            </a:r>
+            <a:r>
+              <a:rPr lang="en-US" altLang="zh-CN" sz="1400" b="0" dirty="0">
+                <a:solidFill>
+                  <a:srgbClr val="D4D4D4"/>
+                </a:solidFill>
+                <a:effectLst/>
+                <a:latin typeface="Hack" panose="020B0609030202020204" pitchFamily="49" charset="0"/>
+              </a:rPr>
+              <a:t>,(</a:t>
+            </a:r>
+            <a:r>
+              <a:rPr lang="en-US" altLang="zh-CN" sz="1400" b="0" dirty="0">
+                <a:solidFill>
+                  <a:srgbClr val="B5CEA8"/>
+                </a:solidFill>
+                <a:effectLst/>
+                <a:latin typeface="Hack" panose="020B0609030202020204" pitchFamily="49" charset="0"/>
+              </a:rPr>
+              <a:t>550</a:t>
+            </a:r>
+            <a:r>
+              <a:rPr lang="en-US" altLang="zh-CN" sz="1400" b="0" dirty="0">
+                <a:solidFill>
+                  <a:srgbClr val="D4D4D4"/>
+                </a:solidFill>
+                <a:effectLst/>
+                <a:latin typeface="Hack" panose="020B0609030202020204" pitchFamily="49" charset="0"/>
+              </a:rPr>
+              <a:t>, </a:t>
+            </a:r>
+            <a:r>
+              <a:rPr lang="en-US" altLang="zh-CN" sz="1400" b="0" dirty="0">
+                <a:solidFill>
+                  <a:srgbClr val="B5CEA8"/>
+                </a:solidFill>
+                <a:effectLst/>
+                <a:latin typeface="Hack" panose="020B0609030202020204" pitchFamily="49" charset="0"/>
+              </a:rPr>
+              <a:t>350</a:t>
+            </a:r>
+            <a:r>
+              <a:rPr lang="en-US" altLang="zh-CN" sz="1400" b="0" dirty="0">
+                <a:solidFill>
+                  <a:srgbClr val="D4D4D4"/>
+                </a:solidFill>
+                <a:effectLst/>
+                <a:latin typeface="Hack" panose="020B0609030202020204" pitchFamily="49" charset="0"/>
+              </a:rPr>
+              <a:t>),</a:t>
+            </a:r>
+            <a:r>
+              <a:rPr lang="en-US" altLang="zh-CN" sz="1400" b="0" dirty="0">
+                <a:solidFill>
+                  <a:srgbClr val="4EC9B0"/>
+                </a:solidFill>
+                <a:effectLst/>
+                <a:latin typeface="Hack" panose="020B0609030202020204" pitchFamily="49" charset="0"/>
+              </a:rPr>
+              <a:t>cv2</a:t>
+            </a:r>
+            <a:r>
+              <a:rPr lang="en-US" altLang="zh-CN" sz="1400" b="0" dirty="0">
+                <a:solidFill>
+                  <a:srgbClr val="D4D4D4"/>
+                </a:solidFill>
+                <a:effectLst/>
+                <a:latin typeface="Hack" panose="020B0609030202020204" pitchFamily="49" charset="0"/>
+              </a:rPr>
+              <a:t>.</a:t>
+            </a:r>
+            <a:r>
+              <a:rPr lang="en-US" altLang="zh-CN" sz="1400" b="0" dirty="0">
+                <a:solidFill>
+                  <a:srgbClr val="9CDCFE"/>
+                </a:solidFill>
+                <a:effectLst/>
+                <a:latin typeface="Hack" panose="020B0609030202020204" pitchFamily="49" charset="0"/>
+              </a:rPr>
+              <a:t>INTER_NEAREST</a:t>
+            </a:r>
+            <a:r>
+              <a:rPr lang="en-US" altLang="zh-CN" sz="1400" b="0" dirty="0">
+                <a:solidFill>
+                  <a:srgbClr val="D4D4D4"/>
+                </a:solidFill>
+                <a:effectLst/>
+                <a:latin typeface="Hack" panose="020B0609030202020204" pitchFamily="49" charset="0"/>
+              </a:rPr>
+              <a:t>)</a:t>
+            </a:r>
           </a:p>
           <a:p>
             <a:pPr marL="0" indent="0">
@@ -6037,8 +7409,8 @@
         </p:blipFill>
         <p:spPr>
           <a:xfrm>
-            <a:off x="6711300" y="2711154"/>
-            <a:ext cx="4234865" cy="2717899"/>
+            <a:off x="8016536" y="2711155"/>
+            <a:ext cx="2929629" cy="1880210"/>
           </a:xfrm>
           <a:prstGeom prst="rect">
             <a:avLst/>
@@ -6049,6 +7421,1191 @@
     <p:extLst>
       <p:ext uri="{BB962C8B-B14F-4D97-AF65-F5344CB8AC3E}">
         <p14:creationId xmlns:p14="http://schemas.microsoft.com/office/powerpoint/2010/main" val="2813562706"/>
+      </p:ext>
+    </p:extLst>
+  </p:cSld>
+  <p:clrMapOvr>
+    <a:masterClrMapping/>
+  </p:clrMapOvr>
+</p:sld>
+</file>
+
+<file path=ppt/slides/slide6.xml><?xml version="1.0" encoding="utf-8"?>
+<p:sld xmlns:a="http://schemas.openxmlformats.org/drawingml/2006/main" xmlns:r="http://schemas.openxmlformats.org/officeDocument/2006/relationships" xmlns:p="http://schemas.openxmlformats.org/presentationml/2006/main">
+  <p:cSld>
+    <p:spTree>
+      <p:nvGrpSpPr>
+        <p:cNvPr id="1" name=""/>
+        <p:cNvGrpSpPr/>
+        <p:nvPr/>
+      </p:nvGrpSpPr>
+      <p:grpSpPr>
+        <a:xfrm>
+          <a:off x="0" y="0"/>
+          <a:ext cx="0" cy="0"/>
+          <a:chOff x="0" y="0"/>
+          <a:chExt cx="0" cy="0"/>
+        </a:xfrm>
+      </p:grpSpPr>
+      <p:sp>
+        <p:nvSpPr>
+          <p:cNvPr id="2" name="标题 1">
+            <a:extLst>
+              <a:ext uri="{FF2B5EF4-FFF2-40B4-BE49-F238E27FC236}">
+                <a16:creationId xmlns:a16="http://schemas.microsoft.com/office/drawing/2014/main" id="{E7D41E3B-AEBE-6466-07CF-85688A1FFDDC}"/>
+              </a:ext>
+            </a:extLst>
+          </p:cNvPr>
+          <p:cNvSpPr>
+            <a:spLocks noGrp="1"/>
+          </p:cNvSpPr>
+          <p:nvPr>
+            <p:ph type="title"/>
+          </p:nvPr>
+        </p:nvSpPr>
+        <p:spPr/>
+        <p:txBody>
+          <a:bodyPr/>
+          <a:lstStyle/>
+          <a:p>
+            <a:r>
+              <a:rPr lang="zh-CN" altLang="en-US" dirty="0"/>
+              <a:t>划分银行卡号码区域</a:t>
+            </a:r>
+          </a:p>
+        </p:txBody>
+      </p:sp>
+      <p:sp>
+        <p:nvSpPr>
+          <p:cNvPr id="3" name="内容占位符 2">
+            <a:extLst>
+              <a:ext uri="{FF2B5EF4-FFF2-40B4-BE49-F238E27FC236}">
+                <a16:creationId xmlns:a16="http://schemas.microsoft.com/office/drawing/2014/main" id="{0D4BF3BF-C48A-D1F0-74C7-A3B7D2917EB5}"/>
+              </a:ext>
+            </a:extLst>
+          </p:cNvPr>
+          <p:cNvSpPr>
+            <a:spLocks noGrp="1"/>
+          </p:cNvSpPr>
+          <p:nvPr>
+            <p:ph idx="1"/>
+          </p:nvPr>
+        </p:nvSpPr>
+        <p:spPr>
+          <a:xfrm>
+            <a:off x="838200" y="1825625"/>
+            <a:ext cx="5881255" cy="2258291"/>
+          </a:xfrm>
+        </p:spPr>
+        <p:txBody>
+          <a:bodyPr>
+            <a:normAutofit/>
+          </a:bodyPr>
+          <a:lstStyle/>
+          <a:p>
+            <a:r>
+              <a:rPr lang="zh-CN" altLang="en-US" sz="2000" dirty="0"/>
+              <a:t>膨胀、腐蚀：让亮的部分更亮，暗的部分更暗</a:t>
+            </a:r>
+            <a:endParaRPr lang="en-US" altLang="zh-CN" sz="2000" dirty="0"/>
+          </a:p>
+          <a:p>
+            <a:r>
+              <a:rPr lang="zh-CN" altLang="en-US" sz="2000" dirty="0"/>
+              <a:t>浮雕处理，将图像变化的部分突出：根据像素与周围像素的差值确定像素值，差别较大的像素（边缘点通常像素差别较大）像素值较大， 在灰度图中表现为较亮，边缘凸显，形成浮雕状，然后加上一个灰度偏移值，作为图片的整体底色。 </a:t>
+            </a:r>
+          </a:p>
+        </p:txBody>
+      </p:sp>
+      <p:pic>
+        <p:nvPicPr>
+          <p:cNvPr id="5" name="图片 4">
+            <a:extLst>
+              <a:ext uri="{FF2B5EF4-FFF2-40B4-BE49-F238E27FC236}">
+                <a16:creationId xmlns:a16="http://schemas.microsoft.com/office/drawing/2014/main" id="{06CA2D60-222F-7E6E-DE60-4B67A40DC43A}"/>
+              </a:ext>
+            </a:extLst>
+          </p:cNvPr>
+          <p:cNvPicPr>
+            <a:picLocks noChangeAspect="1"/>
+          </p:cNvPicPr>
+          <p:nvPr/>
+        </p:nvPicPr>
+        <p:blipFill>
+          <a:blip r:embed="rId2"/>
+          <a:stretch>
+            <a:fillRect/>
+          </a:stretch>
+        </p:blipFill>
+        <p:spPr>
+          <a:xfrm>
+            <a:off x="6863391" y="415178"/>
+            <a:ext cx="4490408" cy="2880893"/>
+          </a:xfrm>
+          <a:prstGeom prst="rect">
+            <a:avLst/>
+          </a:prstGeom>
+        </p:spPr>
+      </p:pic>
+      <p:sp>
+        <p:nvSpPr>
+          <p:cNvPr id="6" name="内容占位符 2">
+            <a:extLst>
+              <a:ext uri="{FF2B5EF4-FFF2-40B4-BE49-F238E27FC236}">
+                <a16:creationId xmlns:a16="http://schemas.microsoft.com/office/drawing/2014/main" id="{4FE518C3-11A8-FFAF-A973-56FBD54948AF}"/>
+              </a:ext>
+            </a:extLst>
+          </p:cNvPr>
+          <p:cNvSpPr txBox="1">
+            <a:spLocks/>
+          </p:cNvSpPr>
+          <p:nvPr/>
+        </p:nvSpPr>
+        <p:spPr>
+          <a:xfrm>
+            <a:off x="838200" y="4083916"/>
+            <a:ext cx="5881255" cy="1603375"/>
+          </a:xfrm>
+          <a:prstGeom prst="rect">
+            <a:avLst/>
+          </a:prstGeom>
+        </p:spPr>
+        <p:txBody>
+          <a:bodyPr vert="horz" lIns="91440" tIns="45720" rIns="91440" bIns="45720" rtlCol="0">
+            <a:normAutofit/>
+          </a:bodyPr>
+          <a:lstStyle>
+            <a:lvl1pPr marL="228600" indent="-228600" algn="l" defTabSz="914400" rtl="0" eaLnBrk="1" latinLnBrk="0" hangingPunct="1">
+              <a:lnSpc>
+                <a:spcPct val="90000"/>
+              </a:lnSpc>
+              <a:spcBef>
+                <a:spcPts val="1000"/>
+              </a:spcBef>
+              <a:buFont typeface="Arial" panose="020B0604020202020204" pitchFamily="34" charset="0"/>
+              <a:buChar char="•"/>
+              <a:defRPr sz="2800" kern="1200">
+                <a:solidFill>
+                  <a:schemeClr val="tx1"/>
+                </a:solidFill>
+                <a:latin typeface="+mn-lt"/>
+                <a:ea typeface="+mn-ea"/>
+                <a:cs typeface="+mn-cs"/>
+              </a:defRPr>
+            </a:lvl1pPr>
+            <a:lvl2pPr marL="685800" indent="-228600" algn="l" defTabSz="914400" rtl="0" eaLnBrk="1" latinLnBrk="0" hangingPunct="1">
+              <a:lnSpc>
+                <a:spcPct val="90000"/>
+              </a:lnSpc>
+              <a:spcBef>
+                <a:spcPts val="500"/>
+              </a:spcBef>
+              <a:buFont typeface="Arial" panose="020B0604020202020204" pitchFamily="34" charset="0"/>
+              <a:buChar char="•"/>
+              <a:defRPr sz="2400" kern="1200">
+                <a:solidFill>
+                  <a:schemeClr val="tx1"/>
+                </a:solidFill>
+                <a:latin typeface="+mn-lt"/>
+                <a:ea typeface="+mn-ea"/>
+                <a:cs typeface="+mn-cs"/>
+              </a:defRPr>
+            </a:lvl2pPr>
+            <a:lvl3pPr marL="1143000" indent="-228600" algn="l" defTabSz="914400" rtl="0" eaLnBrk="1" latinLnBrk="0" hangingPunct="1">
+              <a:lnSpc>
+                <a:spcPct val="90000"/>
+              </a:lnSpc>
+              <a:spcBef>
+                <a:spcPts val="500"/>
+              </a:spcBef>
+              <a:buFont typeface="Arial" panose="020B0604020202020204" pitchFamily="34" charset="0"/>
+              <a:buChar char="•"/>
+              <a:defRPr sz="2000" kern="1200">
+                <a:solidFill>
+                  <a:schemeClr val="tx1"/>
+                </a:solidFill>
+                <a:latin typeface="+mn-lt"/>
+                <a:ea typeface="+mn-ea"/>
+                <a:cs typeface="+mn-cs"/>
+              </a:defRPr>
+            </a:lvl3pPr>
+            <a:lvl4pPr marL="1600200" indent="-228600" algn="l" defTabSz="914400" rtl="0" eaLnBrk="1" latinLnBrk="0" hangingPunct="1">
+              <a:lnSpc>
+                <a:spcPct val="90000"/>
+              </a:lnSpc>
+              <a:spcBef>
+                <a:spcPts val="500"/>
+              </a:spcBef>
+              <a:buFont typeface="Arial" panose="020B0604020202020204" pitchFamily="34" charset="0"/>
+              <a:buChar char="•"/>
+              <a:defRPr sz="1800" kern="1200">
+                <a:solidFill>
+                  <a:schemeClr val="tx1"/>
+                </a:solidFill>
+                <a:latin typeface="+mn-lt"/>
+                <a:ea typeface="+mn-ea"/>
+                <a:cs typeface="+mn-cs"/>
+              </a:defRPr>
+            </a:lvl4pPr>
+            <a:lvl5pPr marL="2057400" indent="-228600" algn="l" defTabSz="914400" rtl="0" eaLnBrk="1" latinLnBrk="0" hangingPunct="1">
+              <a:lnSpc>
+                <a:spcPct val="90000"/>
+              </a:lnSpc>
+              <a:spcBef>
+                <a:spcPts val="500"/>
+              </a:spcBef>
+              <a:buFont typeface="Arial" panose="020B0604020202020204" pitchFamily="34" charset="0"/>
+              <a:buChar char="•"/>
+              <a:defRPr sz="1800" kern="1200">
+                <a:solidFill>
+                  <a:schemeClr val="tx1"/>
+                </a:solidFill>
+                <a:latin typeface="+mn-lt"/>
+                <a:ea typeface="+mn-ea"/>
+                <a:cs typeface="+mn-cs"/>
+              </a:defRPr>
+            </a:lvl5pPr>
+            <a:lvl6pPr marL="2514600" indent="-228600" algn="l" defTabSz="914400" rtl="0" eaLnBrk="1" latinLnBrk="0" hangingPunct="1">
+              <a:lnSpc>
+                <a:spcPct val="90000"/>
+              </a:lnSpc>
+              <a:spcBef>
+                <a:spcPts val="500"/>
+              </a:spcBef>
+              <a:buFont typeface="Arial" panose="020B0604020202020204" pitchFamily="34" charset="0"/>
+              <a:buChar char="•"/>
+              <a:defRPr sz="1800" kern="1200">
+                <a:solidFill>
+                  <a:schemeClr val="tx1"/>
+                </a:solidFill>
+                <a:latin typeface="+mn-lt"/>
+                <a:ea typeface="+mn-ea"/>
+                <a:cs typeface="+mn-cs"/>
+              </a:defRPr>
+            </a:lvl6pPr>
+            <a:lvl7pPr marL="2971800" indent="-228600" algn="l" defTabSz="914400" rtl="0" eaLnBrk="1" latinLnBrk="0" hangingPunct="1">
+              <a:lnSpc>
+                <a:spcPct val="90000"/>
+              </a:lnSpc>
+              <a:spcBef>
+                <a:spcPts val="500"/>
+              </a:spcBef>
+              <a:buFont typeface="Arial" panose="020B0604020202020204" pitchFamily="34" charset="0"/>
+              <a:buChar char="•"/>
+              <a:defRPr sz="1800" kern="1200">
+                <a:solidFill>
+                  <a:schemeClr val="tx1"/>
+                </a:solidFill>
+                <a:latin typeface="+mn-lt"/>
+                <a:ea typeface="+mn-ea"/>
+                <a:cs typeface="+mn-cs"/>
+              </a:defRPr>
+            </a:lvl7pPr>
+            <a:lvl8pPr marL="3429000" indent="-228600" algn="l" defTabSz="914400" rtl="0" eaLnBrk="1" latinLnBrk="0" hangingPunct="1">
+              <a:lnSpc>
+                <a:spcPct val="90000"/>
+              </a:lnSpc>
+              <a:spcBef>
+                <a:spcPts val="500"/>
+              </a:spcBef>
+              <a:buFont typeface="Arial" panose="020B0604020202020204" pitchFamily="34" charset="0"/>
+              <a:buChar char="•"/>
+              <a:defRPr sz="1800" kern="1200">
+                <a:solidFill>
+                  <a:schemeClr val="tx1"/>
+                </a:solidFill>
+                <a:latin typeface="+mn-lt"/>
+                <a:ea typeface="+mn-ea"/>
+                <a:cs typeface="+mn-cs"/>
+              </a:defRPr>
+            </a:lvl8pPr>
+            <a:lvl9pPr marL="3886200" indent="-228600" algn="l" defTabSz="914400" rtl="0" eaLnBrk="1" latinLnBrk="0" hangingPunct="1">
+              <a:lnSpc>
+                <a:spcPct val="90000"/>
+              </a:lnSpc>
+              <a:spcBef>
+                <a:spcPts val="500"/>
+              </a:spcBef>
+              <a:buFont typeface="Arial" panose="020B0604020202020204" pitchFamily="34" charset="0"/>
+              <a:buChar char="•"/>
+              <a:defRPr sz="1800" kern="1200">
+                <a:solidFill>
+                  <a:schemeClr val="tx1"/>
+                </a:solidFill>
+                <a:latin typeface="+mn-lt"/>
+                <a:ea typeface="+mn-ea"/>
+                <a:cs typeface="+mn-cs"/>
+              </a:defRPr>
+            </a:lvl9pPr>
+          </a:lstStyle>
+          <a:p>
+            <a:r>
+              <a:rPr lang="zh-CN" altLang="en-US" dirty="0"/>
+              <a:t>边缘检测，中值滤波</a:t>
+            </a:r>
+            <a:endParaRPr lang="en-US" altLang="zh-CN" dirty="0"/>
+          </a:p>
+          <a:p>
+            <a:r>
+              <a:rPr lang="zh-CN" altLang="en-US" dirty="0"/>
+              <a:t>膨胀，二值化</a:t>
+            </a:r>
+          </a:p>
+        </p:txBody>
+      </p:sp>
+      <p:pic>
+        <p:nvPicPr>
+          <p:cNvPr id="8" name="图片 7">
+            <a:extLst>
+              <a:ext uri="{FF2B5EF4-FFF2-40B4-BE49-F238E27FC236}">
+                <a16:creationId xmlns:a16="http://schemas.microsoft.com/office/drawing/2014/main" id="{80786E2A-64E7-CEE6-E316-2650A17E79A4}"/>
+              </a:ext>
+            </a:extLst>
+          </p:cNvPr>
+          <p:cNvPicPr>
+            <a:picLocks noChangeAspect="1"/>
+          </p:cNvPicPr>
+          <p:nvPr/>
+        </p:nvPicPr>
+        <p:blipFill>
+          <a:blip r:embed="rId3"/>
+          <a:stretch>
+            <a:fillRect/>
+          </a:stretch>
+        </p:blipFill>
+        <p:spPr>
+          <a:xfrm>
+            <a:off x="6863391" y="3561930"/>
+            <a:ext cx="4532168" cy="2854590"/>
+          </a:xfrm>
+          <a:prstGeom prst="rect">
+            <a:avLst/>
+          </a:prstGeom>
+        </p:spPr>
+      </p:pic>
+    </p:spTree>
+    <p:extLst>
+      <p:ext uri="{BB962C8B-B14F-4D97-AF65-F5344CB8AC3E}">
+        <p14:creationId xmlns:p14="http://schemas.microsoft.com/office/powerpoint/2010/main" val="2438793802"/>
+      </p:ext>
+    </p:extLst>
+  </p:cSld>
+  <p:clrMapOvr>
+    <a:masterClrMapping/>
+  </p:clrMapOvr>
+</p:sld>
+</file>
+
+<file path=ppt/slides/slide7.xml><?xml version="1.0" encoding="utf-8"?>
+<p:sld xmlns:a="http://schemas.openxmlformats.org/drawingml/2006/main" xmlns:r="http://schemas.openxmlformats.org/officeDocument/2006/relationships" xmlns:p="http://schemas.openxmlformats.org/presentationml/2006/main">
+  <p:cSld>
+    <p:spTree>
+      <p:nvGrpSpPr>
+        <p:cNvPr id="1" name=""/>
+        <p:cNvGrpSpPr/>
+        <p:nvPr/>
+      </p:nvGrpSpPr>
+      <p:grpSpPr>
+        <a:xfrm>
+          <a:off x="0" y="0"/>
+          <a:ext cx="0" cy="0"/>
+          <a:chOff x="0" y="0"/>
+          <a:chExt cx="0" cy="0"/>
+        </a:xfrm>
+      </p:grpSpPr>
+      <p:sp>
+        <p:nvSpPr>
+          <p:cNvPr id="2" name="标题 1">
+            <a:extLst>
+              <a:ext uri="{FF2B5EF4-FFF2-40B4-BE49-F238E27FC236}">
+                <a16:creationId xmlns:a16="http://schemas.microsoft.com/office/drawing/2014/main" id="{54A55FAE-51AD-6777-295B-A714E8E8DF5A}"/>
+              </a:ext>
+            </a:extLst>
+          </p:cNvPr>
+          <p:cNvSpPr>
+            <a:spLocks noGrp="1"/>
+          </p:cNvSpPr>
+          <p:nvPr>
+            <p:ph type="title"/>
+          </p:nvPr>
+        </p:nvSpPr>
+        <p:spPr/>
+        <p:txBody>
+          <a:bodyPr/>
+          <a:lstStyle/>
+          <a:p>
+            <a:r>
+              <a:rPr lang="zh-CN" altLang="en-US" dirty="0"/>
+              <a:t>垂直投影</a:t>
+            </a:r>
+          </a:p>
+        </p:txBody>
+      </p:sp>
+      <p:pic>
+        <p:nvPicPr>
+          <p:cNvPr id="5" name="内容占位符 4">
+            <a:extLst>
+              <a:ext uri="{FF2B5EF4-FFF2-40B4-BE49-F238E27FC236}">
+                <a16:creationId xmlns:a16="http://schemas.microsoft.com/office/drawing/2014/main" id="{CF40A052-9072-35EE-158C-BE85C37C53CB}"/>
+              </a:ext>
+            </a:extLst>
+          </p:cNvPr>
+          <p:cNvPicPr>
+            <a:picLocks noGrp="1" noChangeAspect="1"/>
+          </p:cNvPicPr>
+          <p:nvPr>
+            <p:ph idx="1"/>
+          </p:nvPr>
+        </p:nvPicPr>
+        <p:blipFill>
+          <a:blip r:embed="rId2"/>
+          <a:stretch>
+            <a:fillRect/>
+          </a:stretch>
+        </p:blipFill>
+        <p:spPr>
+          <a:xfrm>
+            <a:off x="838200" y="2104647"/>
+            <a:ext cx="4988608" cy="3201644"/>
+          </a:xfrm>
+        </p:spPr>
+      </p:pic>
+      <p:sp>
+        <p:nvSpPr>
+          <p:cNvPr id="7" name="内容占位符 2">
+            <a:extLst>
+              <a:ext uri="{FF2B5EF4-FFF2-40B4-BE49-F238E27FC236}">
+                <a16:creationId xmlns:a16="http://schemas.microsoft.com/office/drawing/2014/main" id="{891DD982-B33D-0CFD-C82F-86FBADBE32A6}"/>
+              </a:ext>
+            </a:extLst>
+          </p:cNvPr>
+          <p:cNvSpPr txBox="1">
+            <a:spLocks/>
+          </p:cNvSpPr>
+          <p:nvPr/>
+        </p:nvSpPr>
+        <p:spPr>
+          <a:xfrm>
+            <a:off x="5826808" y="2504497"/>
+            <a:ext cx="5881255" cy="1603375"/>
+          </a:xfrm>
+          <a:prstGeom prst="rect">
+            <a:avLst/>
+          </a:prstGeom>
+        </p:spPr>
+        <p:txBody>
+          <a:bodyPr vert="horz" lIns="91440" tIns="45720" rIns="91440" bIns="45720" rtlCol="0">
+            <a:normAutofit/>
+          </a:bodyPr>
+          <a:lstStyle>
+            <a:lvl1pPr marL="228600" indent="-228600" algn="l" defTabSz="914400" rtl="0" eaLnBrk="1" latinLnBrk="0" hangingPunct="1">
+              <a:lnSpc>
+                <a:spcPct val="90000"/>
+              </a:lnSpc>
+              <a:spcBef>
+                <a:spcPts val="1000"/>
+              </a:spcBef>
+              <a:buFont typeface="Arial" panose="020B0604020202020204" pitchFamily="34" charset="0"/>
+              <a:buChar char="•"/>
+              <a:defRPr sz="2800" kern="1200">
+                <a:solidFill>
+                  <a:schemeClr val="tx1"/>
+                </a:solidFill>
+                <a:latin typeface="+mn-lt"/>
+                <a:ea typeface="+mn-ea"/>
+                <a:cs typeface="+mn-cs"/>
+              </a:defRPr>
+            </a:lvl1pPr>
+            <a:lvl2pPr marL="685800" indent="-228600" algn="l" defTabSz="914400" rtl="0" eaLnBrk="1" latinLnBrk="0" hangingPunct="1">
+              <a:lnSpc>
+                <a:spcPct val="90000"/>
+              </a:lnSpc>
+              <a:spcBef>
+                <a:spcPts val="500"/>
+              </a:spcBef>
+              <a:buFont typeface="Arial" panose="020B0604020202020204" pitchFamily="34" charset="0"/>
+              <a:buChar char="•"/>
+              <a:defRPr sz="2400" kern="1200">
+                <a:solidFill>
+                  <a:schemeClr val="tx1"/>
+                </a:solidFill>
+                <a:latin typeface="+mn-lt"/>
+                <a:ea typeface="+mn-ea"/>
+                <a:cs typeface="+mn-cs"/>
+              </a:defRPr>
+            </a:lvl2pPr>
+            <a:lvl3pPr marL="1143000" indent="-228600" algn="l" defTabSz="914400" rtl="0" eaLnBrk="1" latinLnBrk="0" hangingPunct="1">
+              <a:lnSpc>
+                <a:spcPct val="90000"/>
+              </a:lnSpc>
+              <a:spcBef>
+                <a:spcPts val="500"/>
+              </a:spcBef>
+              <a:buFont typeface="Arial" panose="020B0604020202020204" pitchFamily="34" charset="0"/>
+              <a:buChar char="•"/>
+              <a:defRPr sz="2000" kern="1200">
+                <a:solidFill>
+                  <a:schemeClr val="tx1"/>
+                </a:solidFill>
+                <a:latin typeface="+mn-lt"/>
+                <a:ea typeface="+mn-ea"/>
+                <a:cs typeface="+mn-cs"/>
+              </a:defRPr>
+            </a:lvl3pPr>
+            <a:lvl4pPr marL="1600200" indent="-228600" algn="l" defTabSz="914400" rtl="0" eaLnBrk="1" latinLnBrk="0" hangingPunct="1">
+              <a:lnSpc>
+                <a:spcPct val="90000"/>
+              </a:lnSpc>
+              <a:spcBef>
+                <a:spcPts val="500"/>
+              </a:spcBef>
+              <a:buFont typeface="Arial" panose="020B0604020202020204" pitchFamily="34" charset="0"/>
+              <a:buChar char="•"/>
+              <a:defRPr sz="1800" kern="1200">
+                <a:solidFill>
+                  <a:schemeClr val="tx1"/>
+                </a:solidFill>
+                <a:latin typeface="+mn-lt"/>
+                <a:ea typeface="+mn-ea"/>
+                <a:cs typeface="+mn-cs"/>
+              </a:defRPr>
+            </a:lvl4pPr>
+            <a:lvl5pPr marL="2057400" indent="-228600" algn="l" defTabSz="914400" rtl="0" eaLnBrk="1" latinLnBrk="0" hangingPunct="1">
+              <a:lnSpc>
+                <a:spcPct val="90000"/>
+              </a:lnSpc>
+              <a:spcBef>
+                <a:spcPts val="500"/>
+              </a:spcBef>
+              <a:buFont typeface="Arial" panose="020B0604020202020204" pitchFamily="34" charset="0"/>
+              <a:buChar char="•"/>
+              <a:defRPr sz="1800" kern="1200">
+                <a:solidFill>
+                  <a:schemeClr val="tx1"/>
+                </a:solidFill>
+                <a:latin typeface="+mn-lt"/>
+                <a:ea typeface="+mn-ea"/>
+                <a:cs typeface="+mn-cs"/>
+              </a:defRPr>
+            </a:lvl5pPr>
+            <a:lvl6pPr marL="2514600" indent="-228600" algn="l" defTabSz="914400" rtl="0" eaLnBrk="1" latinLnBrk="0" hangingPunct="1">
+              <a:lnSpc>
+                <a:spcPct val="90000"/>
+              </a:lnSpc>
+              <a:spcBef>
+                <a:spcPts val="500"/>
+              </a:spcBef>
+              <a:buFont typeface="Arial" panose="020B0604020202020204" pitchFamily="34" charset="0"/>
+              <a:buChar char="•"/>
+              <a:defRPr sz="1800" kern="1200">
+                <a:solidFill>
+                  <a:schemeClr val="tx1"/>
+                </a:solidFill>
+                <a:latin typeface="+mn-lt"/>
+                <a:ea typeface="+mn-ea"/>
+                <a:cs typeface="+mn-cs"/>
+              </a:defRPr>
+            </a:lvl6pPr>
+            <a:lvl7pPr marL="2971800" indent="-228600" algn="l" defTabSz="914400" rtl="0" eaLnBrk="1" latinLnBrk="0" hangingPunct="1">
+              <a:lnSpc>
+                <a:spcPct val="90000"/>
+              </a:lnSpc>
+              <a:spcBef>
+                <a:spcPts val="500"/>
+              </a:spcBef>
+              <a:buFont typeface="Arial" panose="020B0604020202020204" pitchFamily="34" charset="0"/>
+              <a:buChar char="•"/>
+              <a:defRPr sz="1800" kern="1200">
+                <a:solidFill>
+                  <a:schemeClr val="tx1"/>
+                </a:solidFill>
+                <a:latin typeface="+mn-lt"/>
+                <a:ea typeface="+mn-ea"/>
+                <a:cs typeface="+mn-cs"/>
+              </a:defRPr>
+            </a:lvl7pPr>
+            <a:lvl8pPr marL="3429000" indent="-228600" algn="l" defTabSz="914400" rtl="0" eaLnBrk="1" latinLnBrk="0" hangingPunct="1">
+              <a:lnSpc>
+                <a:spcPct val="90000"/>
+              </a:lnSpc>
+              <a:spcBef>
+                <a:spcPts val="500"/>
+              </a:spcBef>
+              <a:buFont typeface="Arial" panose="020B0604020202020204" pitchFamily="34" charset="0"/>
+              <a:buChar char="•"/>
+              <a:defRPr sz="1800" kern="1200">
+                <a:solidFill>
+                  <a:schemeClr val="tx1"/>
+                </a:solidFill>
+                <a:latin typeface="+mn-lt"/>
+                <a:ea typeface="+mn-ea"/>
+                <a:cs typeface="+mn-cs"/>
+              </a:defRPr>
+            </a:lvl8pPr>
+            <a:lvl9pPr marL="3886200" indent="-228600" algn="l" defTabSz="914400" rtl="0" eaLnBrk="1" latinLnBrk="0" hangingPunct="1">
+              <a:lnSpc>
+                <a:spcPct val="90000"/>
+              </a:lnSpc>
+              <a:spcBef>
+                <a:spcPts val="500"/>
+              </a:spcBef>
+              <a:buFont typeface="Arial" panose="020B0604020202020204" pitchFamily="34" charset="0"/>
+              <a:buChar char="•"/>
+              <a:defRPr sz="1800" kern="1200">
+                <a:solidFill>
+                  <a:schemeClr val="tx1"/>
+                </a:solidFill>
+                <a:latin typeface="+mn-lt"/>
+                <a:ea typeface="+mn-ea"/>
+                <a:cs typeface="+mn-cs"/>
+              </a:defRPr>
+            </a:lvl9pPr>
+          </a:lstStyle>
+          <a:p>
+            <a:r>
+              <a:rPr lang="zh-CN" altLang="en-US" dirty="0"/>
+              <a:t>在银行卡</a:t>
+            </a:r>
+            <a:r>
+              <a:rPr lang="en-US" altLang="zh-CN" dirty="0"/>
+              <a:t>2/5</a:t>
+            </a:r>
+            <a:r>
+              <a:rPr lang="zh-CN" altLang="en-US"/>
+              <a:t>以下</a:t>
+            </a:r>
+            <a:r>
+              <a:rPr lang="zh-CN" altLang="en-US" dirty="0"/>
+              <a:t>的</a:t>
+            </a:r>
+            <a:r>
+              <a:rPr lang="zh-CN" altLang="en-US"/>
+              <a:t>位置，处理后黑色</a:t>
+            </a:r>
+            <a:r>
+              <a:rPr lang="zh-CN" altLang="en-US" dirty="0"/>
+              <a:t>像素最少的行基本为银行卡号码所在行。</a:t>
+            </a:r>
+          </a:p>
+        </p:txBody>
+      </p:sp>
+      <p:pic>
+        <p:nvPicPr>
+          <p:cNvPr id="9" name="图片 8">
+            <a:extLst>
+              <a:ext uri="{FF2B5EF4-FFF2-40B4-BE49-F238E27FC236}">
+                <a16:creationId xmlns:a16="http://schemas.microsoft.com/office/drawing/2014/main" id="{E99AFB3C-1058-D53A-7938-74814340FBF8}"/>
+              </a:ext>
+            </a:extLst>
+          </p:cNvPr>
+          <p:cNvPicPr>
+            <a:picLocks noChangeAspect="1"/>
+          </p:cNvPicPr>
+          <p:nvPr/>
+        </p:nvPicPr>
+        <p:blipFill>
+          <a:blip r:embed="rId3"/>
+          <a:stretch>
+            <a:fillRect/>
+          </a:stretch>
+        </p:blipFill>
+        <p:spPr>
+          <a:xfrm>
+            <a:off x="6096000" y="4514649"/>
+            <a:ext cx="5524870" cy="381598"/>
+          </a:xfrm>
+          <a:prstGeom prst="rect">
+            <a:avLst/>
+          </a:prstGeom>
+        </p:spPr>
+      </p:pic>
+    </p:spTree>
+    <p:extLst>
+      <p:ext uri="{BB962C8B-B14F-4D97-AF65-F5344CB8AC3E}">
+        <p14:creationId xmlns:p14="http://schemas.microsoft.com/office/powerpoint/2010/main" val="1778107934"/>
+      </p:ext>
+    </p:extLst>
+  </p:cSld>
+  <p:clrMapOvr>
+    <a:masterClrMapping/>
+  </p:clrMapOvr>
+</p:sld>
+</file>
+
+<file path=ppt/slides/slide8.xml><?xml version="1.0" encoding="utf-8"?>
+<p:sld xmlns:a="http://schemas.openxmlformats.org/drawingml/2006/main" xmlns:r="http://schemas.openxmlformats.org/officeDocument/2006/relationships" xmlns:p="http://schemas.openxmlformats.org/presentationml/2006/main">
+  <p:cSld>
+    <p:spTree>
+      <p:nvGrpSpPr>
+        <p:cNvPr id="1" name=""/>
+        <p:cNvGrpSpPr/>
+        <p:nvPr/>
+      </p:nvGrpSpPr>
+      <p:grpSpPr>
+        <a:xfrm>
+          <a:off x="0" y="0"/>
+          <a:ext cx="0" cy="0"/>
+          <a:chOff x="0" y="0"/>
+          <a:chExt cx="0" cy="0"/>
+        </a:xfrm>
+      </p:grpSpPr>
+      <p:sp>
+        <p:nvSpPr>
+          <p:cNvPr id="2" name="标题 1">
+            <a:extLst>
+              <a:ext uri="{FF2B5EF4-FFF2-40B4-BE49-F238E27FC236}">
+                <a16:creationId xmlns:a16="http://schemas.microsoft.com/office/drawing/2014/main" id="{61A5C0A4-1E84-87A2-1C4C-C54185744C67}"/>
+              </a:ext>
+            </a:extLst>
+          </p:cNvPr>
+          <p:cNvSpPr>
+            <a:spLocks noGrp="1"/>
+          </p:cNvSpPr>
+          <p:nvPr>
+            <p:ph type="title"/>
+          </p:nvPr>
+        </p:nvSpPr>
+        <p:spPr/>
+        <p:txBody>
+          <a:bodyPr/>
+          <a:lstStyle/>
+          <a:p>
+            <a:r>
+              <a:rPr lang="zh-CN" altLang="en-US" dirty="0"/>
+              <a:t>再度细节划分</a:t>
+            </a:r>
+          </a:p>
+        </p:txBody>
+      </p:sp>
+      <p:sp>
+        <p:nvSpPr>
+          <p:cNvPr id="3" name="内容占位符 2">
+            <a:extLst>
+              <a:ext uri="{FF2B5EF4-FFF2-40B4-BE49-F238E27FC236}">
+                <a16:creationId xmlns:a16="http://schemas.microsoft.com/office/drawing/2014/main" id="{9B5F2190-0FE6-7961-EE67-22134736506A}"/>
+              </a:ext>
+            </a:extLst>
+          </p:cNvPr>
+          <p:cNvSpPr>
+            <a:spLocks noGrp="1"/>
+          </p:cNvSpPr>
+          <p:nvPr>
+            <p:ph idx="1"/>
+          </p:nvPr>
+        </p:nvSpPr>
+        <p:spPr>
+          <a:xfrm>
+            <a:off x="838200" y="1825625"/>
+            <a:ext cx="4603812" cy="1175027"/>
+          </a:xfrm>
+        </p:spPr>
+        <p:txBody>
+          <a:bodyPr>
+            <a:normAutofit fontScale="92500"/>
+          </a:bodyPr>
+          <a:lstStyle/>
+          <a:p>
+            <a:r>
+              <a:rPr lang="zh-CN" altLang="en-US" dirty="0"/>
+              <a:t>类似的</a:t>
+            </a:r>
+            <a:endParaRPr lang="en-US" altLang="zh-CN" dirty="0"/>
+          </a:p>
+          <a:p>
+            <a:r>
+              <a:rPr lang="zh-CN" altLang="en-US" dirty="0"/>
+              <a:t>膨胀、腐蚀、自适应二值化</a:t>
+            </a:r>
+          </a:p>
+        </p:txBody>
+      </p:sp>
+      <p:pic>
+        <p:nvPicPr>
+          <p:cNvPr id="5" name="图片 4">
+            <a:extLst>
+              <a:ext uri="{FF2B5EF4-FFF2-40B4-BE49-F238E27FC236}">
+                <a16:creationId xmlns:a16="http://schemas.microsoft.com/office/drawing/2014/main" id="{0B80BDFF-D41B-3A40-96E0-392C6A357F8A}"/>
+              </a:ext>
+            </a:extLst>
+          </p:cNvPr>
+          <p:cNvPicPr>
+            <a:picLocks noChangeAspect="1"/>
+          </p:cNvPicPr>
+          <p:nvPr/>
+        </p:nvPicPr>
+        <p:blipFill>
+          <a:blip r:embed="rId2"/>
+          <a:stretch>
+            <a:fillRect/>
+          </a:stretch>
+        </p:blipFill>
+        <p:spPr>
+          <a:xfrm>
+            <a:off x="6407936" y="2142398"/>
+            <a:ext cx="4945864" cy="352227"/>
+          </a:xfrm>
+          <a:prstGeom prst="rect">
+            <a:avLst/>
+          </a:prstGeom>
+        </p:spPr>
+      </p:pic>
+      <p:pic>
+        <p:nvPicPr>
+          <p:cNvPr id="7" name="图片 6">
+            <a:extLst>
+              <a:ext uri="{FF2B5EF4-FFF2-40B4-BE49-F238E27FC236}">
+                <a16:creationId xmlns:a16="http://schemas.microsoft.com/office/drawing/2014/main" id="{D096CACA-5B09-4A7D-CC04-0A5548A4FFFD}"/>
+              </a:ext>
+            </a:extLst>
+          </p:cNvPr>
+          <p:cNvPicPr>
+            <a:picLocks noChangeAspect="1"/>
+          </p:cNvPicPr>
+          <p:nvPr/>
+        </p:nvPicPr>
+        <p:blipFill>
+          <a:blip r:embed="rId3"/>
+          <a:stretch>
+            <a:fillRect/>
+          </a:stretch>
+        </p:blipFill>
+        <p:spPr>
+          <a:xfrm>
+            <a:off x="6407936" y="4258614"/>
+            <a:ext cx="5331416" cy="352226"/>
+          </a:xfrm>
+          <a:prstGeom prst="rect">
+            <a:avLst/>
+          </a:prstGeom>
+        </p:spPr>
+      </p:pic>
+      <p:sp>
+        <p:nvSpPr>
+          <p:cNvPr id="8" name="内容占位符 2">
+            <a:extLst>
+              <a:ext uri="{FF2B5EF4-FFF2-40B4-BE49-F238E27FC236}">
+                <a16:creationId xmlns:a16="http://schemas.microsoft.com/office/drawing/2014/main" id="{223A8938-B438-F667-B2AC-4275E37E3706}"/>
+              </a:ext>
+            </a:extLst>
+          </p:cNvPr>
+          <p:cNvSpPr txBox="1">
+            <a:spLocks/>
+          </p:cNvSpPr>
+          <p:nvPr/>
+        </p:nvSpPr>
+        <p:spPr>
+          <a:xfrm>
+            <a:off x="838200" y="3931620"/>
+            <a:ext cx="4603812" cy="1175027"/>
+          </a:xfrm>
+          <a:prstGeom prst="rect">
+            <a:avLst/>
+          </a:prstGeom>
+        </p:spPr>
+        <p:txBody>
+          <a:bodyPr vert="horz" lIns="91440" tIns="45720" rIns="91440" bIns="45720" rtlCol="0">
+            <a:normAutofit/>
+          </a:bodyPr>
+          <a:lstStyle>
+            <a:lvl1pPr marL="228600" indent="-228600" algn="l" defTabSz="914400" rtl="0" eaLnBrk="1" latinLnBrk="0" hangingPunct="1">
+              <a:lnSpc>
+                <a:spcPct val="90000"/>
+              </a:lnSpc>
+              <a:spcBef>
+                <a:spcPts val="1000"/>
+              </a:spcBef>
+              <a:buFont typeface="Arial" panose="020B0604020202020204" pitchFamily="34" charset="0"/>
+              <a:buChar char="•"/>
+              <a:defRPr sz="2800" kern="1200">
+                <a:solidFill>
+                  <a:schemeClr val="tx1"/>
+                </a:solidFill>
+                <a:latin typeface="+mn-lt"/>
+                <a:ea typeface="+mn-ea"/>
+                <a:cs typeface="+mn-cs"/>
+              </a:defRPr>
+            </a:lvl1pPr>
+            <a:lvl2pPr marL="685800" indent="-228600" algn="l" defTabSz="914400" rtl="0" eaLnBrk="1" latinLnBrk="0" hangingPunct="1">
+              <a:lnSpc>
+                <a:spcPct val="90000"/>
+              </a:lnSpc>
+              <a:spcBef>
+                <a:spcPts val="500"/>
+              </a:spcBef>
+              <a:buFont typeface="Arial" panose="020B0604020202020204" pitchFamily="34" charset="0"/>
+              <a:buChar char="•"/>
+              <a:defRPr sz="2400" kern="1200">
+                <a:solidFill>
+                  <a:schemeClr val="tx1"/>
+                </a:solidFill>
+                <a:latin typeface="+mn-lt"/>
+                <a:ea typeface="+mn-ea"/>
+                <a:cs typeface="+mn-cs"/>
+              </a:defRPr>
+            </a:lvl2pPr>
+            <a:lvl3pPr marL="1143000" indent="-228600" algn="l" defTabSz="914400" rtl="0" eaLnBrk="1" latinLnBrk="0" hangingPunct="1">
+              <a:lnSpc>
+                <a:spcPct val="90000"/>
+              </a:lnSpc>
+              <a:spcBef>
+                <a:spcPts val="500"/>
+              </a:spcBef>
+              <a:buFont typeface="Arial" panose="020B0604020202020204" pitchFamily="34" charset="0"/>
+              <a:buChar char="•"/>
+              <a:defRPr sz="2000" kern="1200">
+                <a:solidFill>
+                  <a:schemeClr val="tx1"/>
+                </a:solidFill>
+                <a:latin typeface="+mn-lt"/>
+                <a:ea typeface="+mn-ea"/>
+                <a:cs typeface="+mn-cs"/>
+              </a:defRPr>
+            </a:lvl3pPr>
+            <a:lvl4pPr marL="1600200" indent="-228600" algn="l" defTabSz="914400" rtl="0" eaLnBrk="1" latinLnBrk="0" hangingPunct="1">
+              <a:lnSpc>
+                <a:spcPct val="90000"/>
+              </a:lnSpc>
+              <a:spcBef>
+                <a:spcPts val="500"/>
+              </a:spcBef>
+              <a:buFont typeface="Arial" panose="020B0604020202020204" pitchFamily="34" charset="0"/>
+              <a:buChar char="•"/>
+              <a:defRPr sz="1800" kern="1200">
+                <a:solidFill>
+                  <a:schemeClr val="tx1"/>
+                </a:solidFill>
+                <a:latin typeface="+mn-lt"/>
+                <a:ea typeface="+mn-ea"/>
+                <a:cs typeface="+mn-cs"/>
+              </a:defRPr>
+            </a:lvl4pPr>
+            <a:lvl5pPr marL="2057400" indent="-228600" algn="l" defTabSz="914400" rtl="0" eaLnBrk="1" latinLnBrk="0" hangingPunct="1">
+              <a:lnSpc>
+                <a:spcPct val="90000"/>
+              </a:lnSpc>
+              <a:spcBef>
+                <a:spcPts val="500"/>
+              </a:spcBef>
+              <a:buFont typeface="Arial" panose="020B0604020202020204" pitchFamily="34" charset="0"/>
+              <a:buChar char="•"/>
+              <a:defRPr sz="1800" kern="1200">
+                <a:solidFill>
+                  <a:schemeClr val="tx1"/>
+                </a:solidFill>
+                <a:latin typeface="+mn-lt"/>
+                <a:ea typeface="+mn-ea"/>
+                <a:cs typeface="+mn-cs"/>
+              </a:defRPr>
+            </a:lvl5pPr>
+            <a:lvl6pPr marL="2514600" indent="-228600" algn="l" defTabSz="914400" rtl="0" eaLnBrk="1" latinLnBrk="0" hangingPunct="1">
+              <a:lnSpc>
+                <a:spcPct val="90000"/>
+              </a:lnSpc>
+              <a:spcBef>
+                <a:spcPts val="500"/>
+              </a:spcBef>
+              <a:buFont typeface="Arial" panose="020B0604020202020204" pitchFamily="34" charset="0"/>
+              <a:buChar char="•"/>
+              <a:defRPr sz="1800" kern="1200">
+                <a:solidFill>
+                  <a:schemeClr val="tx1"/>
+                </a:solidFill>
+                <a:latin typeface="+mn-lt"/>
+                <a:ea typeface="+mn-ea"/>
+                <a:cs typeface="+mn-cs"/>
+              </a:defRPr>
+            </a:lvl6pPr>
+            <a:lvl7pPr marL="2971800" indent="-228600" algn="l" defTabSz="914400" rtl="0" eaLnBrk="1" latinLnBrk="0" hangingPunct="1">
+              <a:lnSpc>
+                <a:spcPct val="90000"/>
+              </a:lnSpc>
+              <a:spcBef>
+                <a:spcPts val="500"/>
+              </a:spcBef>
+              <a:buFont typeface="Arial" panose="020B0604020202020204" pitchFamily="34" charset="0"/>
+              <a:buChar char="•"/>
+              <a:defRPr sz="1800" kern="1200">
+                <a:solidFill>
+                  <a:schemeClr val="tx1"/>
+                </a:solidFill>
+                <a:latin typeface="+mn-lt"/>
+                <a:ea typeface="+mn-ea"/>
+                <a:cs typeface="+mn-cs"/>
+              </a:defRPr>
+            </a:lvl7pPr>
+            <a:lvl8pPr marL="3429000" indent="-228600" algn="l" defTabSz="914400" rtl="0" eaLnBrk="1" latinLnBrk="0" hangingPunct="1">
+              <a:lnSpc>
+                <a:spcPct val="90000"/>
+              </a:lnSpc>
+              <a:spcBef>
+                <a:spcPts val="500"/>
+              </a:spcBef>
+              <a:buFont typeface="Arial" panose="020B0604020202020204" pitchFamily="34" charset="0"/>
+              <a:buChar char="•"/>
+              <a:defRPr sz="1800" kern="1200">
+                <a:solidFill>
+                  <a:schemeClr val="tx1"/>
+                </a:solidFill>
+                <a:latin typeface="+mn-lt"/>
+                <a:ea typeface="+mn-ea"/>
+                <a:cs typeface="+mn-cs"/>
+              </a:defRPr>
+            </a:lvl8pPr>
+            <a:lvl9pPr marL="3886200" indent="-228600" algn="l" defTabSz="914400" rtl="0" eaLnBrk="1" latinLnBrk="0" hangingPunct="1">
+              <a:lnSpc>
+                <a:spcPct val="90000"/>
+              </a:lnSpc>
+              <a:spcBef>
+                <a:spcPts val="500"/>
+              </a:spcBef>
+              <a:buFont typeface="Arial" panose="020B0604020202020204" pitchFamily="34" charset="0"/>
+              <a:buChar char="•"/>
+              <a:defRPr sz="1800" kern="1200">
+                <a:solidFill>
+                  <a:schemeClr val="tx1"/>
+                </a:solidFill>
+                <a:latin typeface="+mn-lt"/>
+                <a:ea typeface="+mn-ea"/>
+                <a:cs typeface="+mn-cs"/>
+              </a:defRPr>
+            </a:lvl9pPr>
+          </a:lstStyle>
+          <a:p>
+            <a:r>
+              <a:rPr lang="zh-CN" altLang="en-US" dirty="0"/>
+              <a:t>中值滤波、高斯滤波</a:t>
+            </a:r>
+            <a:endParaRPr lang="en-US" altLang="zh-CN" dirty="0"/>
+          </a:p>
+          <a:p>
+            <a:r>
+              <a:rPr lang="zh-CN" altLang="en-US" dirty="0"/>
+              <a:t>膨胀、二值化</a:t>
+            </a:r>
+          </a:p>
+        </p:txBody>
+      </p:sp>
+    </p:spTree>
+    <p:extLst>
+      <p:ext uri="{BB962C8B-B14F-4D97-AF65-F5344CB8AC3E}">
+        <p14:creationId xmlns:p14="http://schemas.microsoft.com/office/powerpoint/2010/main" val="2767118137"/>
+      </p:ext>
+    </p:extLst>
+  </p:cSld>
+  <p:clrMapOvr>
+    <a:masterClrMapping/>
+  </p:clrMapOvr>
+</p:sld>
+</file>
+
+<file path=ppt/slides/slide9.xml><?xml version="1.0" encoding="utf-8"?>
+<p:sld xmlns:a="http://schemas.openxmlformats.org/drawingml/2006/main" xmlns:r="http://schemas.openxmlformats.org/officeDocument/2006/relationships" xmlns:p="http://schemas.openxmlformats.org/presentationml/2006/main">
+  <p:cSld>
+    <p:spTree>
+      <p:nvGrpSpPr>
+        <p:cNvPr id="1" name=""/>
+        <p:cNvGrpSpPr/>
+        <p:nvPr/>
+      </p:nvGrpSpPr>
+      <p:grpSpPr>
+        <a:xfrm>
+          <a:off x="0" y="0"/>
+          <a:ext cx="0" cy="0"/>
+          <a:chOff x="0" y="0"/>
+          <a:chExt cx="0" cy="0"/>
+        </a:xfrm>
+      </p:grpSpPr>
+      <p:sp>
+        <p:nvSpPr>
+          <p:cNvPr id="2" name="标题 1">
+            <a:extLst>
+              <a:ext uri="{FF2B5EF4-FFF2-40B4-BE49-F238E27FC236}">
+                <a16:creationId xmlns:a16="http://schemas.microsoft.com/office/drawing/2014/main" id="{1F878AF1-6754-8CE5-87A7-C9B4151957BB}"/>
+              </a:ext>
+            </a:extLst>
+          </p:cNvPr>
+          <p:cNvSpPr>
+            <a:spLocks noGrp="1"/>
+          </p:cNvSpPr>
+          <p:nvPr>
+            <p:ph type="title"/>
+          </p:nvPr>
+        </p:nvSpPr>
+        <p:spPr/>
+        <p:txBody>
+          <a:bodyPr/>
+          <a:lstStyle/>
+          <a:p>
+            <a:r>
+              <a:rPr lang="zh-CN" altLang="en-US" dirty="0"/>
+              <a:t>像素统计，切割</a:t>
+            </a:r>
+          </a:p>
+        </p:txBody>
+      </p:sp>
+      <p:pic>
+        <p:nvPicPr>
+          <p:cNvPr id="5" name="内容占位符 4">
+            <a:extLst>
+              <a:ext uri="{FF2B5EF4-FFF2-40B4-BE49-F238E27FC236}">
+                <a16:creationId xmlns:a16="http://schemas.microsoft.com/office/drawing/2014/main" id="{528960DE-AF06-6F9A-F49A-701BB3E7CD81}"/>
+              </a:ext>
+            </a:extLst>
+          </p:cNvPr>
+          <p:cNvPicPr>
+            <a:picLocks noGrp="1" noChangeAspect="1"/>
+          </p:cNvPicPr>
+          <p:nvPr>
+            <p:ph idx="1"/>
+          </p:nvPr>
+        </p:nvPicPr>
+        <p:blipFill>
+          <a:blip r:embed="rId2"/>
+          <a:stretch>
+            <a:fillRect/>
+          </a:stretch>
+        </p:blipFill>
+        <p:spPr>
+          <a:xfrm>
+            <a:off x="1242487" y="2528025"/>
+            <a:ext cx="3457143" cy="2342857"/>
+          </a:xfrm>
+        </p:spPr>
+      </p:pic>
+      <p:pic>
+        <p:nvPicPr>
+          <p:cNvPr id="7" name="图片 6">
+            <a:extLst>
+              <a:ext uri="{FF2B5EF4-FFF2-40B4-BE49-F238E27FC236}">
+                <a16:creationId xmlns:a16="http://schemas.microsoft.com/office/drawing/2014/main" id="{CFA552F1-637F-C27B-6C08-7B77383CB018}"/>
+              </a:ext>
+            </a:extLst>
+          </p:cNvPr>
+          <p:cNvPicPr>
+            <a:picLocks noChangeAspect="1"/>
+          </p:cNvPicPr>
+          <p:nvPr/>
+        </p:nvPicPr>
+        <p:blipFill>
+          <a:blip r:embed="rId3"/>
+          <a:stretch>
+            <a:fillRect/>
+          </a:stretch>
+        </p:blipFill>
+        <p:spPr>
+          <a:xfrm>
+            <a:off x="6430517" y="3458451"/>
+            <a:ext cx="4693203" cy="743732"/>
+          </a:xfrm>
+          <a:prstGeom prst="rect">
+            <a:avLst/>
+          </a:prstGeom>
+        </p:spPr>
+      </p:pic>
+    </p:spTree>
+    <p:extLst>
+      <p:ext uri="{BB962C8B-B14F-4D97-AF65-F5344CB8AC3E}">
+        <p14:creationId xmlns:p14="http://schemas.microsoft.com/office/powerpoint/2010/main" val="1567692411"/>
       </p:ext>
     </p:extLst>
   </p:cSld>
